--- a/tutorial_2.pptx
+++ b/tutorial_2.pptx
@@ -5,17 +5,15 @@
     <p:sldMasterId id="2147483660" r:id="rId1"/>
   </p:sldMasterIdLst>
   <p:notesMasterIdLst>
-    <p:notesMasterId r:id="rId10"/>
+    <p:notesMasterId r:id="rId8"/>
   </p:notesMasterIdLst>
   <p:sldIdLst>
     <p:sldId id="264" r:id="rId2"/>
     <p:sldId id="269" r:id="rId3"/>
     <p:sldId id="275" r:id="rId4"/>
-    <p:sldId id="274" r:id="rId5"/>
-    <p:sldId id="270" r:id="rId6"/>
-    <p:sldId id="272" r:id="rId7"/>
-    <p:sldId id="273" r:id="rId8"/>
-    <p:sldId id="271" r:id="rId9"/>
+    <p:sldId id="276" r:id="rId5"/>
+    <p:sldId id="277" r:id="rId6"/>
+    <p:sldId id="271" r:id="rId7"/>
   </p:sldIdLst>
   <p:sldSz cx="12192000" cy="6858000"/>
   <p:notesSz cx="6858000" cy="9144000"/>
@@ -204,7 +202,7 @@
           <a:p>
             <a:fld id="{5257B2DB-DB70-452A-AAE9-672DACB4C531}" type="datetimeFigureOut">
               <a:rPr lang="zh-CN" altLang="en-US" smtClean="0"/>
-              <a:t>2021/9/19</a:t>
+              <a:t>2021/10/28</a:t>
             </a:fld>
             <a:endParaRPr lang="zh-CN" altLang="en-US"/>
           </a:p>
@@ -555,6 +553,90 @@
 </p:notes>
 </file>
 
+<file path=ppt/notesSlides/notesSlide2.xml><?xml version="1.0" encoding="utf-8"?>
+<p:notes xmlns:a="http://schemas.openxmlformats.org/drawingml/2006/main" xmlns:r="http://schemas.openxmlformats.org/officeDocument/2006/relationships" xmlns:p="http://schemas.openxmlformats.org/presentationml/2006/main">
+  <p:cSld>
+    <p:spTree>
+      <p:nvGrpSpPr>
+        <p:cNvPr id="1" name=""/>
+        <p:cNvGrpSpPr/>
+        <p:nvPr/>
+      </p:nvGrpSpPr>
+      <p:grpSpPr>
+        <a:xfrm>
+          <a:off x="0" y="0"/>
+          <a:ext cx="0" cy="0"/>
+          <a:chOff x="0" y="0"/>
+          <a:chExt cx="0" cy="0"/>
+        </a:xfrm>
+      </p:grpSpPr>
+      <p:sp>
+        <p:nvSpPr>
+          <p:cNvPr id="2" name="幻灯片图像占位符 1"/>
+          <p:cNvSpPr>
+            <a:spLocks noGrp="1" noRot="1" noChangeAspect="1"/>
+          </p:cNvSpPr>
+          <p:nvPr>
+            <p:ph type="sldImg"/>
+          </p:nvPr>
+        </p:nvSpPr>
+        <p:spPr/>
+      </p:sp>
+      <p:sp>
+        <p:nvSpPr>
+          <p:cNvPr id="3" name="备注占位符 2"/>
+          <p:cNvSpPr>
+            <a:spLocks noGrp="1"/>
+          </p:cNvSpPr>
+          <p:nvPr>
+            <p:ph type="body" idx="1"/>
+          </p:nvPr>
+        </p:nvSpPr>
+        <p:spPr/>
+        <p:txBody>
+          <a:bodyPr/>
+          <a:lstStyle/>
+          <a:p>
+            <a:endParaRPr lang="zh-CN" altLang="en-US" dirty="0"/>
+          </a:p>
+        </p:txBody>
+      </p:sp>
+      <p:sp>
+        <p:nvSpPr>
+          <p:cNvPr id="4" name="灯片编号占位符 3"/>
+          <p:cNvSpPr>
+            <a:spLocks noGrp="1"/>
+          </p:cNvSpPr>
+          <p:nvPr>
+            <p:ph type="sldNum" sz="quarter" idx="5"/>
+          </p:nvPr>
+        </p:nvSpPr>
+        <p:spPr/>
+        <p:txBody>
+          <a:bodyPr/>
+          <a:lstStyle/>
+          <a:p>
+            <a:fld id="{32ECDBF7-2697-413F-A331-2117D173B716}" type="slidenum">
+              <a:rPr lang="zh-CN" altLang="en-US" smtClean="0"/>
+              <a:t>2</a:t>
+            </a:fld>
+            <a:endParaRPr lang="zh-CN" altLang="en-US"/>
+          </a:p>
+        </p:txBody>
+      </p:sp>
+    </p:spTree>
+    <p:extLst>
+      <p:ext uri="{BB962C8B-B14F-4D97-AF65-F5344CB8AC3E}">
+        <p14:creationId xmlns:p14="http://schemas.microsoft.com/office/powerpoint/2010/main" val="572687279"/>
+      </p:ext>
+    </p:extLst>
+  </p:cSld>
+  <p:clrMapOvr>
+    <a:masterClrMapping/>
+  </p:clrMapOvr>
+</p:notes>
+</file>
+
 <file path=ppt/slideLayouts/slideLayout1.xml><?xml version="1.0" encoding="utf-8"?>
 <p:sldLayout xmlns:a="http://schemas.openxmlformats.org/drawingml/2006/main" xmlns:r="http://schemas.openxmlformats.org/officeDocument/2006/relationships" xmlns:p="http://schemas.openxmlformats.org/presentationml/2006/main" showMasterSp="0" type="title" preserve="1">
   <p:cSld name="标题幻灯片">
@@ -781,7 +863,7 @@
           <a:p>
             <a:fld id="{E32DD5AE-9BB5-4F9A-94EA-DC7AC6BC8BAC}" type="datetimeFigureOut">
               <a:rPr lang="zh-CN" altLang="en-US" smtClean="0"/>
-              <a:t>2021/9/19</a:t>
+              <a:t>2021/10/28</a:t>
             </a:fld>
             <a:endParaRPr lang="zh-CN" altLang="en-US"/>
           </a:p>
@@ -989,7 +1071,7 @@
           <a:p>
             <a:fld id="{E32DD5AE-9BB5-4F9A-94EA-DC7AC6BC8BAC}" type="datetimeFigureOut">
               <a:rPr lang="zh-CN" altLang="en-US" smtClean="0"/>
-              <a:t>2021/9/19</a:t>
+              <a:t>2021/10/28</a:t>
             </a:fld>
             <a:endParaRPr lang="zh-CN" altLang="en-US"/>
           </a:p>
@@ -1245,7 +1327,7 @@
           <a:p>
             <a:fld id="{E32DD5AE-9BB5-4F9A-94EA-DC7AC6BC8BAC}" type="datetimeFigureOut">
               <a:rPr lang="zh-CN" altLang="en-US" smtClean="0"/>
-              <a:t>2021/9/19</a:t>
+              <a:t>2021/10/28</a:t>
             </a:fld>
             <a:endParaRPr lang="zh-CN" altLang="en-US"/>
           </a:p>
@@ -1419,7 +1501,7 @@
           <a:p>
             <a:fld id="{E32DD5AE-9BB5-4F9A-94EA-DC7AC6BC8BAC}" type="datetimeFigureOut">
               <a:rPr lang="zh-CN" altLang="en-US" smtClean="0"/>
-              <a:t>2021/9/19</a:t>
+              <a:t>2021/10/28</a:t>
             </a:fld>
             <a:endParaRPr lang="zh-CN" altLang="en-US"/>
           </a:p>
@@ -1762,7 +1844,7 @@
           <a:p>
             <a:fld id="{E32DD5AE-9BB5-4F9A-94EA-DC7AC6BC8BAC}" type="datetimeFigureOut">
               <a:rPr lang="zh-CN" altLang="en-US" smtClean="0"/>
-              <a:t>2021/9/19</a:t>
+              <a:t>2021/10/28</a:t>
             </a:fld>
             <a:endParaRPr lang="zh-CN" altLang="en-US"/>
           </a:p>
@@ -2037,7 +2119,7 @@
           <a:p>
             <a:fld id="{E32DD5AE-9BB5-4F9A-94EA-DC7AC6BC8BAC}" type="datetimeFigureOut">
               <a:rPr lang="zh-CN" altLang="en-US" smtClean="0"/>
-              <a:t>2021/9/19</a:t>
+              <a:t>2021/10/28</a:t>
             </a:fld>
             <a:endParaRPr lang="zh-CN" altLang="en-US"/>
           </a:p>
@@ -2416,7 +2498,7 @@
           <a:p>
             <a:fld id="{E32DD5AE-9BB5-4F9A-94EA-DC7AC6BC8BAC}" type="datetimeFigureOut">
               <a:rPr lang="zh-CN" altLang="en-US" smtClean="0"/>
-              <a:t>2021/9/19</a:t>
+              <a:t>2021/10/28</a:t>
             </a:fld>
             <a:endParaRPr lang="zh-CN" altLang="en-US"/>
           </a:p>
@@ -2534,7 +2616,7 @@
           <a:p>
             <a:fld id="{E32DD5AE-9BB5-4F9A-94EA-DC7AC6BC8BAC}" type="datetimeFigureOut">
               <a:rPr lang="zh-CN" altLang="en-US" smtClean="0"/>
-              <a:t>2021/9/19</a:t>
+              <a:t>2021/10/28</a:t>
             </a:fld>
             <a:endParaRPr lang="zh-CN" altLang="en-US"/>
           </a:p>
@@ -2705,7 +2787,7 @@
           <a:p>
             <a:fld id="{E32DD5AE-9BB5-4F9A-94EA-DC7AC6BC8BAC}" type="datetimeFigureOut">
               <a:rPr lang="zh-CN" altLang="en-US" smtClean="0"/>
-              <a:t>2021/9/19</a:t>
+              <a:t>2021/10/28</a:t>
             </a:fld>
             <a:endParaRPr lang="zh-CN" altLang="en-US"/>
           </a:p>
@@ -3059,7 +3141,7 @@
           <a:p>
             <a:fld id="{E32DD5AE-9BB5-4F9A-94EA-DC7AC6BC8BAC}" type="datetimeFigureOut">
               <a:rPr lang="zh-CN" altLang="en-US" smtClean="0"/>
-              <a:t>2021/9/19</a:t>
+              <a:t>2021/10/28</a:t>
             </a:fld>
             <a:endParaRPr lang="zh-CN" altLang="en-US"/>
           </a:p>
@@ -3441,7 +3523,7 @@
           <a:p>
             <a:fld id="{E32DD5AE-9BB5-4F9A-94EA-DC7AC6BC8BAC}" type="datetimeFigureOut">
               <a:rPr lang="zh-CN" altLang="en-US" smtClean="0"/>
-              <a:t>2021/9/19</a:t>
+              <a:t>2021/10/28</a:t>
             </a:fld>
             <a:endParaRPr lang="zh-CN" altLang="en-US"/>
           </a:p>
@@ -3728,7 +3810,7 @@
           <a:p>
             <a:fld id="{E32DD5AE-9BB5-4F9A-94EA-DC7AC6BC8BAC}" type="datetimeFigureOut">
               <a:rPr lang="zh-CN" altLang="en-US" smtClean="0"/>
-              <a:t>2021/9/19</a:t>
+              <a:t>2021/10/28</a:t>
             </a:fld>
             <a:endParaRPr lang="zh-CN" altLang="en-US"/>
           </a:p>
@@ -4277,18 +4359,7 @@
           <a:p>
             <a:r>
               <a:rPr lang="en-US" altLang="zh-CN" sz="6600" dirty="0"/>
-              <a:t>Galago Tutorial #1 </a:t>
-            </a:r>
-            <a:br>
-              <a:rPr lang="en-US" altLang="zh-CN" sz="6600" dirty="0"/>
-            </a:br>
-            <a:r>
-              <a:rPr lang="en-US" altLang="zh-CN" sz="6600" dirty="0"/>
-              <a:t>							</a:t>
-            </a:r>
-            <a:r>
-              <a:rPr lang="en-US" altLang="zh-CN" sz="5400" dirty="0"/>
-              <a:t>CS 6550</a:t>
+              <a:t>Retrieval model on Galago</a:t>
             </a:r>
             <a:endParaRPr lang="zh-CN" altLang="en-US" sz="6600" dirty="0"/>
           </a:p>
@@ -4336,53 +4407,7 @@
           <a:p>
             <a:r>
               <a:rPr lang="en-US" altLang="zh-CN" dirty="0"/>
-              <a:t>IR lab @UU, 09/23/2021</a:t>
-            </a:r>
-            <a:endParaRPr lang="zh-CN" altLang="en-US" dirty="0"/>
-          </a:p>
-        </p:txBody>
-      </p:sp>
-      <p:sp>
-        <p:nvSpPr>
-          <p:cNvPr id="4" name="矩形 3">
-            <a:extLst>
-              <a:ext uri="{FF2B5EF4-FFF2-40B4-BE49-F238E27FC236}">
-                <a16:creationId xmlns:a16="http://schemas.microsoft.com/office/drawing/2014/main" id="{F3165327-2B68-48FC-83B7-1C161F1F02DA}"/>
-              </a:ext>
-            </a:extLst>
-          </p:cNvPr>
-          <p:cNvSpPr/>
-          <p:nvPr/>
-        </p:nvSpPr>
-        <p:spPr>
-          <a:xfrm>
-            <a:off x="5611138" y="5598620"/>
-            <a:ext cx="5768374" cy="646331"/>
-          </a:xfrm>
-          <a:prstGeom prst="rect">
-            <a:avLst/>
-          </a:prstGeom>
-          <a:ln>
-            <a:solidFill>
-              <a:schemeClr val="tx1"/>
-            </a:solidFill>
-          </a:ln>
-        </p:spPr>
-        <p:txBody>
-          <a:bodyPr wrap="none">
-            <a:spAutoFit/>
-          </a:bodyPr>
-          <a:lstStyle/>
-          <a:p>
-            <a:r>
-              <a:rPr lang="en-US" altLang="zh-CN" dirty="0"/>
-              <a:t>Tutorial recording of 2020fall CS4960/6550 can be found at </a:t>
-            </a:r>
-          </a:p>
-          <a:p>
-            <a:r>
-              <a:rPr lang="en-US" altLang="zh-CN" dirty="0"/>
-              <a:t>https://www.youtube.com/watch?v=FRAZXL2289Q</a:t>
+              <a:t>IR lab @UU, 09/21/2021</a:t>
             </a:r>
             <a:endParaRPr lang="zh-CN" altLang="en-US" dirty="0"/>
           </a:p>
@@ -4433,7 +4458,7 @@
         <p:spPr>
           <a:xfrm>
             <a:off x="1219200" y="1344692"/>
-            <a:ext cx="2552700" cy="369332"/>
+            <a:ext cx="2941320" cy="369332"/>
           </a:xfrm>
           <a:prstGeom prst="rect">
             <a:avLst/>
@@ -4453,7 +4478,7 @@
           <a:p>
             <a:r>
               <a:rPr lang="en-US" altLang="zh-CN" dirty="0"/>
-              <a:t>Recap of Inverted Index</a:t>
+              <a:t>Recap of smoothing methods</a:t>
             </a:r>
             <a:endParaRPr lang="zh-CN" altLang="en-US" dirty="0"/>
           </a:p>
@@ -4461,31 +4486,33 @@
       </p:sp>
       <p:sp>
         <p:nvSpPr>
-          <p:cNvPr id="6" name="矩形 5">
+          <p:cNvPr id="9" name="文本框 8">
             <a:extLst>
               <a:ext uri="{FF2B5EF4-FFF2-40B4-BE49-F238E27FC236}">
-                <a16:creationId xmlns:a16="http://schemas.microsoft.com/office/drawing/2014/main" id="{1096F92A-606B-4DBD-9BE8-E2FB095F8E71}"/>
+                <a16:creationId xmlns:a16="http://schemas.microsoft.com/office/drawing/2014/main" id="{0D246613-7575-4892-AD20-FEF9CB7C43B9}"/>
               </a:ext>
             </a:extLst>
           </p:cNvPr>
-          <p:cNvSpPr/>
+          <p:cNvSpPr txBox="1"/>
           <p:nvPr/>
         </p:nvSpPr>
         <p:spPr>
           <a:xfrm>
-            <a:off x="2167036" y="1854514"/>
-            <a:ext cx="6000745" cy="369332"/>
+            <a:off x="769620" y="2396810"/>
+            <a:ext cx="4000500" cy="1754326"/>
           </a:xfrm>
           <a:prstGeom prst="rect">
             <a:avLst/>
           </a:prstGeom>
           <a:noFill/>
           <a:ln>
-            <a:noFill/>
+            <a:solidFill>
+              <a:schemeClr val="tx1"/>
+            </a:solidFill>
           </a:ln>
         </p:spPr>
         <p:txBody>
-          <a:bodyPr wrap="none">
+          <a:bodyPr wrap="square" rtlCol="0">
             <a:spAutoFit/>
           </a:bodyPr>
           <a:lstStyle/>
@@ -4496,18 +4523,58 @@
             </a:pPr>
             <a:r>
               <a:rPr lang="en-US" altLang="zh-CN" dirty="0"/>
-              <a:t>data structure that directs you from a word to a document </a:t>
-            </a:r>
+              <a:t>Typically, we need </a:t>
+            </a:r>
+          </a:p>
+          <a:p>
+            <a:pPr marL="742950" lvl="1" indent="-285750">
+              <a:buFont typeface="Arial" panose="020B0604020202020204" pitchFamily="34" charset="0"/>
+              <a:buChar char="•"/>
+            </a:pPr>
+            <a:r>
+              <a:rPr lang="en-US" altLang="zh-CN" dirty="0"/>
+              <a:t>Document probability</a:t>
+            </a:r>
+          </a:p>
+          <a:p>
+            <a:pPr marL="742950" lvl="1" indent="-285750">
+              <a:buFont typeface="Arial" panose="020B0604020202020204" pitchFamily="34" charset="0"/>
+              <a:buChar char="•"/>
+            </a:pPr>
+            <a:r>
+              <a:rPr lang="en-US" altLang="zh-CN" dirty="0"/>
+              <a:t>Collection probability</a:t>
+            </a:r>
+          </a:p>
+          <a:p>
+            <a:pPr marL="742950" lvl="1" indent="-285750">
+              <a:buFont typeface="Arial" panose="020B0604020202020204" pitchFamily="34" charset="0"/>
+              <a:buChar char="•"/>
+            </a:pPr>
+            <a:endParaRPr lang="en-US" altLang="zh-CN" dirty="0"/>
+          </a:p>
+          <a:p>
+            <a:pPr marL="742950" lvl="1" indent="-285750">
+              <a:buFont typeface="Arial" panose="020B0604020202020204" pitchFamily="34" charset="0"/>
+              <a:buChar char="•"/>
+            </a:pPr>
+            <a:endParaRPr lang="en-US" altLang="zh-CN" dirty="0"/>
+          </a:p>
+          <a:p>
+            <a:pPr marL="742950" lvl="1" indent="-285750">
+              <a:buFont typeface="Arial" panose="020B0604020202020204" pitchFamily="34" charset="0"/>
+              <a:buChar char="•"/>
+            </a:pPr>
             <a:endParaRPr lang="zh-CN" altLang="en-US" dirty="0"/>
           </a:p>
         </p:txBody>
       </p:sp>
       <p:pic>
         <p:nvPicPr>
-          <p:cNvPr id="7" name="图片 6">
+          <p:cNvPr id="3" name="图片 2">
             <a:extLst>
               <a:ext uri="{FF2B5EF4-FFF2-40B4-BE49-F238E27FC236}">
-                <a16:creationId xmlns:a16="http://schemas.microsoft.com/office/drawing/2014/main" id="{8FC66D50-4A59-444D-957B-F904C092A6A0}"/>
+                <a16:creationId xmlns:a16="http://schemas.microsoft.com/office/drawing/2014/main" id="{FA8BE53F-BDCF-4A55-86A2-D5F9C306ADA0}"/>
               </a:ext>
             </a:extLst>
           </p:cNvPr>
@@ -4517,159 +4584,57 @@
           <p:nvPr/>
         </p:nvPicPr>
         <p:blipFill>
-          <a:blip r:embed="rId2"/>
+          <a:blip r:embed="rId3"/>
           <a:stretch>
             <a:fillRect/>
           </a:stretch>
         </p:blipFill>
         <p:spPr>
           <a:xfrm>
-            <a:off x="3091516" y="2563633"/>
-            <a:ext cx="4392360" cy="1730734"/>
+            <a:off x="5208270" y="2024063"/>
+            <a:ext cx="6214110" cy="3325210"/>
           </a:xfrm>
           <a:prstGeom prst="rect">
             <a:avLst/>
           </a:prstGeom>
         </p:spPr>
       </p:pic>
-      <p:sp>
-        <p:nvSpPr>
-          <p:cNvPr id="8" name="矩形 7">
+      <p:pic>
+        <p:nvPicPr>
+          <p:cNvPr id="5" name="图片 4">
             <a:extLst>
               <a:ext uri="{FF2B5EF4-FFF2-40B4-BE49-F238E27FC236}">
-                <a16:creationId xmlns:a16="http://schemas.microsoft.com/office/drawing/2014/main" id="{3778ADEB-8B9D-4C6F-BC27-08DB57404A2A}"/>
+                <a16:creationId xmlns:a16="http://schemas.microsoft.com/office/drawing/2014/main" id="{ACC77883-D7A1-487A-9BAF-E68FD3ACDDDD}"/>
               </a:ext>
             </a:extLst>
           </p:cNvPr>
-          <p:cNvSpPr/>
+          <p:cNvPicPr>
+            <a:picLocks noChangeAspect="1"/>
+          </p:cNvPicPr>
           <p:nvPr/>
-        </p:nvSpPr>
-        <p:spPr>
-          <a:xfrm>
-            <a:off x="2122922" y="2337108"/>
-            <a:ext cx="6088975" cy="3416320"/>
+        </p:nvPicPr>
+        <p:blipFill>
+          <a:blip r:embed="rId4"/>
+          <a:stretch>
+            <a:fillRect/>
+          </a:stretch>
+        </p:blipFill>
+        <p:spPr>
+          <a:xfrm>
+            <a:off x="3117830" y="5169384"/>
+            <a:ext cx="4000500" cy="1118708"/>
           </a:xfrm>
           <a:prstGeom prst="rect">
             <a:avLst/>
           </a:prstGeom>
-          <a:ln>
-            <a:solidFill>
-              <a:schemeClr val="tx1"/>
-            </a:solidFill>
-          </a:ln>
-        </p:spPr>
-        <p:txBody>
-          <a:bodyPr wrap="none">
-            <a:spAutoFit/>
-          </a:bodyPr>
-          <a:lstStyle/>
-          <a:p>
-            <a:pPr marL="285750" indent="-285750">
-              <a:buFont typeface="Arial" panose="020B0604020202020204" pitchFamily="34" charset="0"/>
-              <a:buChar char="•"/>
-            </a:pPr>
-            <a:r>
-              <a:rPr lang="en-US" altLang="zh-CN" dirty="0"/>
-              <a:t>Example,</a:t>
-            </a:r>
-          </a:p>
-          <a:p>
-            <a:pPr marL="285750" indent="-285750">
-              <a:buFont typeface="Arial" panose="020B0604020202020204" pitchFamily="34" charset="0"/>
-              <a:buChar char="•"/>
-            </a:pPr>
-            <a:endParaRPr lang="en-US" altLang="zh-CN" dirty="0"/>
-          </a:p>
-          <a:p>
-            <a:pPr marL="285750" indent="-285750">
-              <a:buFont typeface="Arial" panose="020B0604020202020204" pitchFamily="34" charset="0"/>
-              <a:buChar char="•"/>
-            </a:pPr>
-            <a:endParaRPr lang="en-US" altLang="zh-CN" dirty="0"/>
-          </a:p>
-          <a:p>
-            <a:pPr marL="285750" indent="-285750">
-              <a:buFont typeface="Arial" panose="020B0604020202020204" pitchFamily="34" charset="0"/>
-              <a:buChar char="•"/>
-            </a:pPr>
-            <a:endParaRPr lang="en-US" altLang="zh-CN" dirty="0"/>
-          </a:p>
-          <a:p>
-            <a:pPr marL="285750" indent="-285750">
-              <a:buFont typeface="Arial" panose="020B0604020202020204" pitchFamily="34" charset="0"/>
-              <a:buChar char="•"/>
-            </a:pPr>
-            <a:endParaRPr lang="en-US" altLang="zh-CN" dirty="0"/>
-          </a:p>
-          <a:p>
-            <a:pPr marL="285750" indent="-285750">
-              <a:buFont typeface="Arial" panose="020B0604020202020204" pitchFamily="34" charset="0"/>
-              <a:buChar char="•"/>
-            </a:pPr>
-            <a:endParaRPr lang="en-US" altLang="zh-CN" dirty="0"/>
-          </a:p>
-          <a:p>
-            <a:endParaRPr lang="en-US" altLang="zh-CN" dirty="0"/>
-          </a:p>
-          <a:p>
-            <a:pPr marL="285750" indent="-285750">
-              <a:buFont typeface="Arial" panose="020B0604020202020204" pitchFamily="34" charset="0"/>
-              <a:buChar char="•"/>
-            </a:pPr>
-            <a:r>
-              <a:rPr lang="en-US" altLang="zh-CN" dirty="0"/>
-              <a:t>Advantage,</a:t>
-            </a:r>
-          </a:p>
-          <a:p>
-            <a:pPr marL="1200150" lvl="2" indent="-285750">
-              <a:buFont typeface="Arial" panose="020B0604020202020204" pitchFamily="34" charset="0"/>
-              <a:buChar char="•"/>
-            </a:pPr>
-            <a:r>
-              <a:rPr lang="en-US" altLang="zh-CN" dirty="0"/>
-              <a:t>Inverted index is to allow fast documents locating.</a:t>
-            </a:r>
-          </a:p>
-          <a:p>
-            <a:pPr marL="285750" indent="-285750">
-              <a:buFont typeface="Arial" panose="020B0604020202020204" pitchFamily="34" charset="0"/>
-              <a:buChar char="•"/>
-            </a:pPr>
-            <a:r>
-              <a:rPr lang="en-US" altLang="zh-CN" dirty="0"/>
-              <a:t>Steps,</a:t>
-            </a:r>
-          </a:p>
-          <a:p>
-            <a:pPr marL="742950" lvl="1" indent="-285750">
-              <a:buFont typeface="Arial" panose="020B0604020202020204" pitchFamily="34" charset="0"/>
-              <a:buChar char="•"/>
-            </a:pPr>
-            <a:r>
-              <a:rPr lang="en-US" altLang="zh-CN" dirty="0"/>
-              <a:t>Tokenization, Normalization, Stopping,  Stemming.</a:t>
-            </a:r>
-          </a:p>
-          <a:p>
-            <a:pPr marL="742950" lvl="1" indent="-285750">
-              <a:buFont typeface="Arial" panose="020B0604020202020204" pitchFamily="34" charset="0"/>
-              <a:buChar char="•"/>
-            </a:pPr>
-            <a:r>
-              <a:rPr lang="en-US" altLang="zh-CN" dirty="0"/>
-              <a:t>Build Inverted Index.</a:t>
-            </a:r>
-            <a:endParaRPr lang="zh-CN" altLang="en-US" dirty="0"/>
-          </a:p>
-        </p:txBody>
-      </p:sp>
-      <p:sp>
-        <p:nvSpPr>
-          <p:cNvPr id="3" name="文本框 2">
+        </p:spPr>
+      </p:pic>
+      <p:sp>
+        <p:nvSpPr>
+          <p:cNvPr id="8" name="文本框 7">
             <a:extLst>
               <a:ext uri="{FF2B5EF4-FFF2-40B4-BE49-F238E27FC236}">
-                <a16:creationId xmlns:a16="http://schemas.microsoft.com/office/drawing/2014/main" id="{88014580-F58B-4E21-9858-42686A42B434}"/>
+                <a16:creationId xmlns:a16="http://schemas.microsoft.com/office/drawing/2014/main" id="{337E6EC9-5FBA-436E-B8EF-F8280271DE23}"/>
               </a:ext>
             </a:extLst>
           </p:cNvPr>
@@ -4678,174 +4643,31 @@
         </p:nvSpPr>
         <p:spPr>
           <a:xfrm>
-            <a:off x="8702412" y="2698595"/>
-            <a:ext cx="2359598" cy="646331"/>
+            <a:off x="341019" y="5126279"/>
+            <a:ext cx="6094140" cy="369332"/>
           </a:xfrm>
           <a:prstGeom prst="rect">
             <a:avLst/>
           </a:prstGeom>
           <a:noFill/>
-          <a:ln>
-            <a:solidFill>
-              <a:srgbClr val="FF0000"/>
-            </a:solidFill>
-          </a:ln>
-        </p:spPr>
-        <p:txBody>
-          <a:bodyPr wrap="square" rtlCol="0">
+        </p:spPr>
+        <p:txBody>
+          <a:bodyPr wrap="square">
             <a:spAutoFit/>
           </a:bodyPr>
           <a:lstStyle/>
           <a:p>
+            <a:pPr marL="742950" lvl="1" indent="-285750">
+              <a:buFont typeface="Arial" panose="020B0604020202020204" pitchFamily="34" charset="0"/>
+              <a:buChar char="•"/>
+            </a:pPr>
             <a:r>
               <a:rPr lang="en-US" altLang="zh-CN" dirty="0"/>
-              <a:t>“Abandon” is the 15</a:t>
-            </a:r>
-            <a:r>
-              <a:rPr lang="en-US" altLang="zh-CN" baseline="30000" dirty="0"/>
-              <a:t>th</a:t>
-            </a:r>
-            <a:r>
-              <a:rPr lang="en-US" altLang="zh-CN" dirty="0"/>
-              <a:t> word in Document #7.</a:t>
-            </a:r>
-            <a:endParaRPr lang="zh-CN" altLang="en-US" dirty="0"/>
-          </a:p>
-        </p:txBody>
-      </p:sp>
-      <p:cxnSp>
-        <p:nvCxnSpPr>
-          <p:cNvPr id="11" name="连接符: 曲线 10">
-            <a:extLst>
-              <a:ext uri="{FF2B5EF4-FFF2-40B4-BE49-F238E27FC236}">
-                <a16:creationId xmlns:a16="http://schemas.microsoft.com/office/drawing/2014/main" id="{9E1593D4-84EB-49DF-A895-5AFE0BC969C4}"/>
-              </a:ext>
-            </a:extLst>
-          </p:cNvPr>
-          <p:cNvCxnSpPr>
-            <a:cxnSpLocks/>
-          </p:cNvCxnSpPr>
-          <p:nvPr/>
-        </p:nvCxnSpPr>
-        <p:spPr>
-          <a:xfrm rot="10800000">
-            <a:off x="4612144" y="3113420"/>
-            <a:ext cx="3978756" cy="107052"/>
-          </a:xfrm>
-          <a:prstGeom prst="curvedConnector3">
-            <a:avLst>
-              <a:gd name="adj1" fmla="val 100561"/>
-            </a:avLst>
-          </a:prstGeom>
-          <a:ln>
-            <a:solidFill>
-              <a:srgbClr val="FF0000"/>
-            </a:solidFill>
-            <a:tailEnd type="triangle"/>
-          </a:ln>
-        </p:spPr>
-        <p:style>
-          <a:lnRef idx="1">
-            <a:schemeClr val="accent1"/>
-          </a:lnRef>
-          <a:fillRef idx="0">
-            <a:schemeClr val="accent1"/>
-          </a:fillRef>
-          <a:effectRef idx="0">
-            <a:schemeClr val="accent1"/>
-          </a:effectRef>
-          <a:fontRef idx="minor">
-            <a:schemeClr val="tx1"/>
-          </a:fontRef>
-        </p:style>
-      </p:cxnSp>
-      <p:sp>
-        <p:nvSpPr>
-          <p:cNvPr id="18" name="文本框 17">
-            <a:extLst>
-              <a:ext uri="{FF2B5EF4-FFF2-40B4-BE49-F238E27FC236}">
-                <a16:creationId xmlns:a16="http://schemas.microsoft.com/office/drawing/2014/main" id="{AEEA0D81-A6F8-4D84-92FF-28F5BC82372E}"/>
-              </a:ext>
-            </a:extLst>
-          </p:cNvPr>
-          <p:cNvSpPr txBox="1"/>
-          <p:nvPr/>
-        </p:nvSpPr>
-        <p:spPr>
-          <a:xfrm>
-            <a:off x="8702412" y="3698488"/>
-            <a:ext cx="2359598" cy="646331"/>
-          </a:xfrm>
-          <a:prstGeom prst="rect">
-            <a:avLst/>
-          </a:prstGeom>
-          <a:noFill/>
-          <a:ln>
-            <a:solidFill>
-              <a:srgbClr val="FF0000"/>
-            </a:solidFill>
-          </a:ln>
-        </p:spPr>
-        <p:txBody>
-          <a:bodyPr wrap="square" rtlCol="0">
-            <a:spAutoFit/>
-          </a:bodyPr>
-          <a:lstStyle/>
-          <a:p>
-            <a:r>
-              <a:rPr lang="en-US" altLang="zh-CN" dirty="0"/>
-              <a:t>The fist six words in Document #7 are titles.</a:t>
-            </a:r>
-            <a:endParaRPr lang="zh-CN" altLang="en-US" dirty="0"/>
-          </a:p>
-        </p:txBody>
-      </p:sp>
-      <p:cxnSp>
-        <p:nvCxnSpPr>
-          <p:cNvPr id="19" name="连接符: 曲线 18">
-            <a:extLst>
-              <a:ext uri="{FF2B5EF4-FFF2-40B4-BE49-F238E27FC236}">
-                <a16:creationId xmlns:a16="http://schemas.microsoft.com/office/drawing/2014/main" id="{4AB163CC-166D-46EE-9DCC-24FA60330E32}"/>
-              </a:ext>
-            </a:extLst>
-          </p:cNvPr>
-          <p:cNvCxnSpPr>
-            <a:cxnSpLocks/>
-          </p:cNvCxnSpPr>
-          <p:nvPr/>
-        </p:nvCxnSpPr>
-        <p:spPr>
-          <a:xfrm rot="10800000">
-            <a:off x="4612144" y="3968010"/>
-            <a:ext cx="3978756" cy="261276"/>
-          </a:xfrm>
-          <a:prstGeom prst="curvedConnector3">
-            <a:avLst>
-              <a:gd name="adj1" fmla="val 97534"/>
-            </a:avLst>
-          </a:prstGeom>
-          <a:ln>
-            <a:solidFill>
-              <a:srgbClr val="FF0000"/>
-            </a:solidFill>
-            <a:tailEnd type="triangle"/>
-          </a:ln>
-        </p:spPr>
-        <p:style>
-          <a:lnRef idx="1">
-            <a:schemeClr val="accent1"/>
-          </a:lnRef>
-          <a:fillRef idx="0">
-            <a:schemeClr val="accent1"/>
-          </a:fillRef>
-          <a:effectRef idx="0">
-            <a:schemeClr val="accent1"/>
-          </a:effectRef>
-          <a:fontRef idx="minor">
-            <a:schemeClr val="tx1"/>
-          </a:fontRef>
-        </p:style>
-      </p:cxnSp>
+              <a:t>Rank documents according to score</a:t>
+            </a:r>
+          </a:p>
+        </p:txBody>
+      </p:sp>
     </p:spTree>
     <p:extLst>
       <p:ext uri="{BB962C8B-B14F-4D97-AF65-F5344CB8AC3E}">
@@ -4890,8 +4712,8 @@
         </p:nvSpPr>
         <p:spPr>
           <a:xfrm>
-            <a:off x="1219200" y="1344692"/>
-            <a:ext cx="2552700" cy="369332"/>
+            <a:off x="1219199" y="1344692"/>
+            <a:ext cx="4515775" cy="369332"/>
           </a:xfrm>
           <a:prstGeom prst="rect">
             <a:avLst/>
@@ -4911,7 +4733,7 @@
           <a:p>
             <a:r>
               <a:rPr lang="en-US" altLang="zh-CN" dirty="0"/>
-              <a:t>Recap of Inverted Index</a:t>
+              <a:t>Galago retrieval model-----Command line</a:t>
             </a:r>
             <a:endParaRPr lang="zh-CN" altLang="en-US" dirty="0"/>
           </a:p>
@@ -4919,10 +4741,198 @@
       </p:sp>
       <p:sp>
         <p:nvSpPr>
-          <p:cNvPr id="6" name="矩形 5">
+          <p:cNvPr id="5" name="文本框 4">
             <a:extLst>
               <a:ext uri="{FF2B5EF4-FFF2-40B4-BE49-F238E27FC236}">
-                <a16:creationId xmlns:a16="http://schemas.microsoft.com/office/drawing/2014/main" id="{1096F92A-606B-4DBD-9BE8-E2FB095F8E71}"/>
+                <a16:creationId xmlns:a16="http://schemas.microsoft.com/office/drawing/2014/main" id="{357495EA-1CF5-49F2-84D7-F9B57FBB7DAE}"/>
+              </a:ext>
+            </a:extLst>
+          </p:cNvPr>
+          <p:cNvSpPr txBox="1"/>
+          <p:nvPr/>
+        </p:nvSpPr>
+        <p:spPr>
+          <a:xfrm>
+            <a:off x="2039125" y="2072881"/>
+            <a:ext cx="9271025" cy="3693319"/>
+          </a:xfrm>
+          <a:prstGeom prst="rect">
+            <a:avLst/>
+          </a:prstGeom>
+          <a:noFill/>
+          <a:ln>
+            <a:solidFill>
+              <a:schemeClr val="tx1"/>
+            </a:solidFill>
+          </a:ln>
+        </p:spPr>
+        <p:txBody>
+          <a:bodyPr wrap="square" rtlCol="0">
+            <a:spAutoFit/>
+          </a:bodyPr>
+          <a:lstStyle/>
+          <a:p>
+            <a:pPr marL="285750" indent="-285750">
+              <a:buFont typeface="Arial" panose="020B0604020202020204" pitchFamily="34" charset="0"/>
+              <a:buChar char="•"/>
+            </a:pPr>
+            <a:r>
+              <a:rPr lang="en-US" altLang="zh-CN" dirty="0"/>
+              <a:t>Typically, we can </a:t>
+            </a:r>
+          </a:p>
+          <a:p>
+            <a:pPr marL="742950" lvl="1" indent="-285750">
+              <a:buFont typeface="Arial" panose="020B0604020202020204" pitchFamily="34" charset="0"/>
+              <a:buChar char="•"/>
+            </a:pPr>
+            <a:r>
+              <a:rPr lang="en-US" altLang="zh-CN" dirty="0"/>
+              <a:t>Command line to do retrieval</a:t>
+            </a:r>
+          </a:p>
+          <a:p>
+            <a:pPr marL="742950" lvl="1" indent="-285750">
+              <a:buFont typeface="Arial" panose="020B0604020202020204" pitchFamily="34" charset="0"/>
+              <a:buChar char="•"/>
+            </a:pPr>
+            <a:endParaRPr lang="en-US" altLang="zh-CN" dirty="0"/>
+          </a:p>
+          <a:p>
+            <a:pPr marL="1200150" lvl="2" indent="-285750">
+              <a:buFont typeface="Arial" panose="020B0604020202020204" pitchFamily="34" charset="0"/>
+              <a:buChar char="•"/>
+            </a:pPr>
+            <a:r>
+              <a:rPr lang="en-US" altLang="zh-CN" dirty="0"/>
+              <a:t>galago batch-search --</a:t>
+            </a:r>
+            <a:r>
+              <a:rPr lang="en-US" altLang="zh-CN" dirty="0" err="1"/>
+              <a:t>showNoResults</a:t>
+            </a:r>
+            <a:r>
+              <a:rPr lang="en-US" altLang="zh-CN" dirty="0"/>
+              <a:t>=true --</a:t>
+            </a:r>
+            <a:r>
+              <a:rPr lang="en-US" altLang="zh-CN" dirty="0" err="1"/>
+              <a:t>defaultTextPart</a:t>
+            </a:r>
+            <a:r>
+              <a:rPr lang="en-US" altLang="zh-CN" dirty="0"/>
+              <a:t>=</a:t>
+            </a:r>
+            <a:r>
+              <a:rPr lang="en-US" altLang="zh-CN" dirty="0" err="1"/>
+              <a:t>postings.krovetz</a:t>
+            </a:r>
+            <a:r>
+              <a:rPr lang="en-US" altLang="zh-CN" dirty="0"/>
+              <a:t>   --mu=2000 --scorer=</a:t>
+            </a:r>
+            <a:r>
+              <a:rPr lang="en-US" altLang="zh-CN" dirty="0" err="1"/>
+              <a:t>dirichlet</a:t>
+            </a:r>
+            <a:r>
+              <a:rPr lang="en-US" altLang="zh-CN" dirty="0"/>
+              <a:t> --verbose=false --requested=20 --index</a:t>
+            </a:r>
+            <a:r>
+              <a:rPr lang="en-US" altLang="zh-CN" dirty="0">
+                <a:solidFill>
+                  <a:srgbClr val="FF0000"/>
+                </a:solidFill>
+              </a:rPr>
+              <a:t>=../index/  </a:t>
+            </a:r>
+            <a:r>
+              <a:rPr lang="en-US" altLang="zh-CN" dirty="0"/>
+              <a:t>--</a:t>
+            </a:r>
+            <a:r>
+              <a:rPr lang="en-US" altLang="zh-CN" dirty="0" err="1"/>
+              <a:t>queryFormat</a:t>
+            </a:r>
+            <a:r>
+              <a:rPr lang="en-US" altLang="zh-CN" dirty="0"/>
+              <a:t>=</a:t>
+            </a:r>
+            <a:r>
+              <a:rPr lang="en-US" altLang="zh-CN" dirty="0" err="1"/>
+              <a:t>tsv</a:t>
+            </a:r>
+            <a:r>
+              <a:rPr lang="en-US" altLang="zh-CN" dirty="0"/>
+              <a:t>  --queries=</a:t>
+            </a:r>
+            <a:r>
+              <a:rPr lang="en-US" altLang="zh-CN" dirty="0" err="1"/>
+              <a:t>query.titles.tsv</a:t>
+            </a:r>
+            <a:r>
+              <a:rPr lang="en-US" altLang="zh-CN" dirty="0"/>
+              <a:t> &gt;galago_dirichelet.txt</a:t>
+            </a:r>
+          </a:p>
+          <a:p>
+            <a:pPr marL="742950" lvl="1" indent="-285750">
+              <a:buFont typeface="Arial" panose="020B0604020202020204" pitchFamily="34" charset="0"/>
+              <a:buChar char="•"/>
+            </a:pPr>
+            <a:endParaRPr lang="en-US" altLang="zh-CN" dirty="0"/>
+          </a:p>
+          <a:p>
+            <a:pPr marL="742950" lvl="1" indent="-285750">
+              <a:buFont typeface="Arial" panose="020B0604020202020204" pitchFamily="34" charset="0"/>
+              <a:buChar char="•"/>
+            </a:pPr>
+            <a:endParaRPr lang="en-US" altLang="zh-CN" dirty="0"/>
+          </a:p>
+          <a:p>
+            <a:pPr marL="742950" lvl="1" indent="-285750">
+              <a:buFont typeface="Arial" panose="020B0604020202020204" pitchFamily="34" charset="0"/>
+              <a:buChar char="•"/>
+            </a:pPr>
+            <a:endParaRPr lang="en-US" altLang="zh-CN" dirty="0"/>
+          </a:p>
+          <a:p>
+            <a:pPr marL="742950" lvl="1" indent="-285750">
+              <a:buFont typeface="Arial" panose="020B0604020202020204" pitchFamily="34" charset="0"/>
+              <a:buChar char="•"/>
+            </a:pPr>
+            <a:endParaRPr lang="en-US" altLang="zh-CN" dirty="0"/>
+          </a:p>
+          <a:p>
+            <a:pPr marL="742950" lvl="1" indent="-285750">
+              <a:buFont typeface="Arial" panose="020B0604020202020204" pitchFamily="34" charset="0"/>
+              <a:buChar char="•"/>
+            </a:pPr>
+            <a:endParaRPr lang="en-US" altLang="zh-CN" dirty="0"/>
+          </a:p>
+          <a:p>
+            <a:pPr marL="742950" lvl="1" indent="-285750">
+              <a:buFont typeface="Arial" panose="020B0604020202020204" pitchFamily="34" charset="0"/>
+              <a:buChar char="•"/>
+            </a:pPr>
+            <a:endParaRPr lang="en-US" altLang="zh-CN" dirty="0"/>
+          </a:p>
+          <a:p>
+            <a:pPr marL="742950" lvl="1" indent="-285750">
+              <a:buFont typeface="Arial" panose="020B0604020202020204" pitchFamily="34" charset="0"/>
+              <a:buChar char="•"/>
+            </a:pPr>
+            <a:endParaRPr lang="zh-CN" altLang="en-US" dirty="0"/>
+          </a:p>
+        </p:txBody>
+      </p:sp>
+      <p:sp>
+        <p:nvSpPr>
+          <p:cNvPr id="3" name="箭头: 下 2">
+            <a:extLst>
+              <a:ext uri="{FF2B5EF4-FFF2-40B4-BE49-F238E27FC236}">
+                <a16:creationId xmlns:a16="http://schemas.microsoft.com/office/drawing/2014/main" id="{FEC7B6A6-0D95-4AA1-BD28-11C7B83C09E7}"/>
               </a:ext>
             </a:extLst>
           </p:cNvPr>
@@ -4930,81 +4940,341 @@
           <p:nvPr/>
         </p:nvSpPr>
         <p:spPr>
-          <a:xfrm>
-            <a:off x="2115149" y="1876011"/>
-            <a:ext cx="9391545" cy="646331"/>
+          <a:xfrm rot="10800000">
+            <a:off x="9721692" y="3642543"/>
+            <a:ext cx="45719" cy="543510"/>
+          </a:xfrm>
+          <a:prstGeom prst="downArrow">
+            <a:avLst/>
+          </a:prstGeom>
+        </p:spPr>
+        <p:style>
+          <a:lnRef idx="2">
+            <a:schemeClr val="accent1">
+              <a:shade val="50000"/>
+            </a:schemeClr>
+          </a:lnRef>
+          <a:fillRef idx="1">
+            <a:schemeClr val="accent1"/>
+          </a:fillRef>
+          <a:effectRef idx="0">
+            <a:schemeClr val="accent1"/>
+          </a:effectRef>
+          <a:fontRef idx="minor">
+            <a:schemeClr val="lt1"/>
+          </a:fontRef>
+        </p:style>
+        <p:txBody>
+          <a:bodyPr rtlCol="0" anchor="ctr"/>
+          <a:lstStyle/>
+          <a:p>
+            <a:pPr algn="ctr"/>
+            <a:endParaRPr lang="zh-CN" altLang="en-US"/>
+          </a:p>
+        </p:txBody>
+      </p:sp>
+      <p:sp>
+        <p:nvSpPr>
+          <p:cNvPr id="7" name="文本框 6">
+            <a:extLst>
+              <a:ext uri="{FF2B5EF4-FFF2-40B4-BE49-F238E27FC236}">
+                <a16:creationId xmlns:a16="http://schemas.microsoft.com/office/drawing/2014/main" id="{57AF53AD-061E-4FAD-9B21-9A625D494C13}"/>
+              </a:ext>
+            </a:extLst>
+          </p:cNvPr>
+          <p:cNvSpPr txBox="1"/>
+          <p:nvPr/>
+        </p:nvSpPr>
+        <p:spPr>
+          <a:xfrm>
+            <a:off x="9291741" y="4329796"/>
+            <a:ext cx="1405851" cy="369332"/>
           </a:xfrm>
           <a:prstGeom prst="rect">
             <a:avLst/>
           </a:prstGeom>
+          <a:noFill/>
           <a:ln>
             <a:solidFill>
-              <a:srgbClr val="FF0000"/>
+              <a:schemeClr val="tx1"/>
             </a:solidFill>
           </a:ln>
         </p:spPr>
         <p:txBody>
-          <a:bodyPr wrap="none">
+          <a:bodyPr wrap="square" rtlCol="0">
             <a:spAutoFit/>
           </a:bodyPr>
           <a:lstStyle/>
           <a:p>
-            <a:pPr marL="285750" indent="-285750">
-              <a:buFont typeface="Arial" panose="020B0604020202020204" pitchFamily="34" charset="0"/>
-              <a:buChar char="•"/>
-            </a:pPr>
             <a:r>
               <a:rPr lang="en-US" altLang="zh-CN" dirty="0"/>
-              <a:t>According to Wikipedia,</a:t>
-            </a:r>
-            <a:r>
-              <a:rPr lang="zh-CN" altLang="en-US" dirty="0"/>
-              <a:t> </a:t>
-            </a:r>
-            <a:r>
-              <a:rPr lang="en-US" altLang="zh-CN" dirty="0"/>
-              <a:t>Information Retrieval is the activity of obtaining information resources </a:t>
-            </a:r>
-          </a:p>
-          <a:p>
-            <a:r>
-              <a:rPr lang="en-US" altLang="zh-CN" dirty="0"/>
-              <a:t>      relevant to an information need from a collection of information resources.</a:t>
+              <a:t>Index folder</a:t>
             </a:r>
             <a:endParaRPr lang="zh-CN" altLang="en-US" dirty="0"/>
           </a:p>
         </p:txBody>
       </p:sp>
-      <p:pic>
-        <p:nvPicPr>
-          <p:cNvPr id="2" name="图片 1">
+      <p:sp>
+        <p:nvSpPr>
+          <p:cNvPr id="8" name="箭头: 下 7">
             <a:extLst>
               <a:ext uri="{FF2B5EF4-FFF2-40B4-BE49-F238E27FC236}">
-                <a16:creationId xmlns:a16="http://schemas.microsoft.com/office/drawing/2014/main" id="{6BC5C45F-1483-41DA-BC25-F61E489A9709}"/>
+                <a16:creationId xmlns:a16="http://schemas.microsoft.com/office/drawing/2014/main" id="{7FB20586-44B5-4742-BBFA-1D68900E94BD}"/>
               </a:ext>
             </a:extLst>
           </p:cNvPr>
-          <p:cNvPicPr>
-            <a:picLocks noChangeAspect="1"/>
-          </p:cNvPicPr>
+          <p:cNvSpPr/>
           <p:nvPr/>
-        </p:nvPicPr>
-        <p:blipFill>
-          <a:blip r:embed="rId2"/>
-          <a:stretch>
-            <a:fillRect/>
-          </a:stretch>
-        </p:blipFill>
-        <p:spPr>
-          <a:xfrm>
-            <a:off x="2115149" y="2684329"/>
-            <a:ext cx="7961702" cy="3645291"/>
+        </p:nvSpPr>
+        <p:spPr>
+          <a:xfrm rot="10800000">
+            <a:off x="6465067" y="3791524"/>
+            <a:ext cx="45719" cy="543510"/>
+          </a:xfrm>
+          <a:prstGeom prst="downArrow">
+            <a:avLst/>
+          </a:prstGeom>
+        </p:spPr>
+        <p:style>
+          <a:lnRef idx="2">
+            <a:schemeClr val="accent1">
+              <a:shade val="50000"/>
+            </a:schemeClr>
+          </a:lnRef>
+          <a:fillRef idx="1">
+            <a:schemeClr val="accent1"/>
+          </a:fillRef>
+          <a:effectRef idx="0">
+            <a:schemeClr val="accent1"/>
+          </a:effectRef>
+          <a:fontRef idx="minor">
+            <a:schemeClr val="lt1"/>
+          </a:fontRef>
+        </p:style>
+        <p:txBody>
+          <a:bodyPr rtlCol="0" anchor="ctr"/>
+          <a:lstStyle/>
+          <a:p>
+            <a:pPr algn="ctr"/>
+            <a:endParaRPr lang="zh-CN" altLang="en-US"/>
+          </a:p>
+        </p:txBody>
+      </p:sp>
+      <p:sp>
+        <p:nvSpPr>
+          <p:cNvPr id="9" name="文本框 8">
+            <a:extLst>
+              <a:ext uri="{FF2B5EF4-FFF2-40B4-BE49-F238E27FC236}">
+                <a16:creationId xmlns:a16="http://schemas.microsoft.com/office/drawing/2014/main" id="{70C14F7E-0DC6-4AB6-8FCA-1DD172A84FDA}"/>
+              </a:ext>
+            </a:extLst>
+          </p:cNvPr>
+          <p:cNvSpPr txBox="1"/>
+          <p:nvPr/>
+        </p:nvSpPr>
+        <p:spPr>
+          <a:xfrm>
+            <a:off x="5901951" y="4514462"/>
+            <a:ext cx="1405851" cy="369332"/>
           </a:xfrm>
           <a:prstGeom prst="rect">
             <a:avLst/>
           </a:prstGeom>
-        </p:spPr>
-      </p:pic>
+          <a:noFill/>
+          <a:ln>
+            <a:solidFill>
+              <a:schemeClr val="tx1"/>
+            </a:solidFill>
+          </a:ln>
+        </p:spPr>
+        <p:txBody>
+          <a:bodyPr wrap="square" rtlCol="0">
+            <a:spAutoFit/>
+          </a:bodyPr>
+          <a:lstStyle/>
+          <a:p>
+            <a:r>
+              <a:rPr lang="en-US" altLang="zh-CN" dirty="0"/>
+              <a:t>Query file</a:t>
+            </a:r>
+            <a:endParaRPr lang="zh-CN" altLang="en-US" dirty="0"/>
+          </a:p>
+        </p:txBody>
+      </p:sp>
+      <p:sp>
+        <p:nvSpPr>
+          <p:cNvPr id="10" name="箭头: 下 9">
+            <a:extLst>
+              <a:ext uri="{FF2B5EF4-FFF2-40B4-BE49-F238E27FC236}">
+                <a16:creationId xmlns:a16="http://schemas.microsoft.com/office/drawing/2014/main" id="{9330E0E3-4A19-4469-8033-9B89305D9712}"/>
+              </a:ext>
+            </a:extLst>
+          </p:cNvPr>
+          <p:cNvSpPr/>
+          <p:nvPr/>
+        </p:nvSpPr>
+        <p:spPr>
+          <a:xfrm rot="12847558">
+            <a:off x="2980766" y="3410420"/>
+            <a:ext cx="55907" cy="792496"/>
+          </a:xfrm>
+          <a:prstGeom prst="downArrow">
+            <a:avLst/>
+          </a:prstGeom>
+        </p:spPr>
+        <p:style>
+          <a:lnRef idx="2">
+            <a:schemeClr val="accent1">
+              <a:shade val="50000"/>
+            </a:schemeClr>
+          </a:lnRef>
+          <a:fillRef idx="1">
+            <a:schemeClr val="accent1"/>
+          </a:fillRef>
+          <a:effectRef idx="0">
+            <a:schemeClr val="accent1"/>
+          </a:effectRef>
+          <a:fontRef idx="minor">
+            <a:schemeClr val="lt1"/>
+          </a:fontRef>
+        </p:style>
+        <p:txBody>
+          <a:bodyPr rtlCol="0" anchor="ctr"/>
+          <a:lstStyle/>
+          <a:p>
+            <a:pPr algn="ctr"/>
+            <a:endParaRPr lang="zh-CN" altLang="en-US"/>
+          </a:p>
+        </p:txBody>
+      </p:sp>
+      <p:sp>
+        <p:nvSpPr>
+          <p:cNvPr id="11" name="文本框 10">
+            <a:extLst>
+              <a:ext uri="{FF2B5EF4-FFF2-40B4-BE49-F238E27FC236}">
+                <a16:creationId xmlns:a16="http://schemas.microsoft.com/office/drawing/2014/main" id="{D884ACE6-0C2B-4101-80B8-CFE657AE3D8C}"/>
+              </a:ext>
+            </a:extLst>
+          </p:cNvPr>
+          <p:cNvSpPr txBox="1"/>
+          <p:nvPr/>
+        </p:nvSpPr>
+        <p:spPr>
+          <a:xfrm>
+            <a:off x="2187722" y="4329796"/>
+            <a:ext cx="1405851" cy="369332"/>
+          </a:xfrm>
+          <a:prstGeom prst="rect">
+            <a:avLst/>
+          </a:prstGeom>
+          <a:noFill/>
+          <a:ln>
+            <a:solidFill>
+              <a:schemeClr val="tx1"/>
+            </a:solidFill>
+          </a:ln>
+        </p:spPr>
+        <p:txBody>
+          <a:bodyPr wrap="square" rtlCol="0">
+            <a:spAutoFit/>
+          </a:bodyPr>
+          <a:lstStyle/>
+          <a:p>
+            <a:r>
+              <a:rPr lang="en-US" altLang="zh-CN" dirty="0"/>
+              <a:t>Parameters</a:t>
+            </a:r>
+            <a:endParaRPr lang="zh-CN" altLang="en-US" dirty="0"/>
+          </a:p>
+        </p:txBody>
+      </p:sp>
+      <p:sp>
+        <p:nvSpPr>
+          <p:cNvPr id="12" name="箭头: 下 11">
+            <a:extLst>
+              <a:ext uri="{FF2B5EF4-FFF2-40B4-BE49-F238E27FC236}">
+                <a16:creationId xmlns:a16="http://schemas.microsoft.com/office/drawing/2014/main" id="{8D7F87B8-4C76-483E-964A-D149EA66AB62}"/>
+              </a:ext>
+            </a:extLst>
+          </p:cNvPr>
+          <p:cNvSpPr/>
+          <p:nvPr/>
+        </p:nvSpPr>
+        <p:spPr>
+          <a:xfrm>
+            <a:off x="9854252" y="2398679"/>
+            <a:ext cx="45719" cy="543510"/>
+          </a:xfrm>
+          <a:prstGeom prst="downArrow">
+            <a:avLst/>
+          </a:prstGeom>
+        </p:spPr>
+        <p:style>
+          <a:lnRef idx="2">
+            <a:schemeClr val="accent1">
+              <a:shade val="50000"/>
+            </a:schemeClr>
+          </a:lnRef>
+          <a:fillRef idx="1">
+            <a:schemeClr val="accent1"/>
+          </a:fillRef>
+          <a:effectRef idx="0">
+            <a:schemeClr val="accent1"/>
+          </a:effectRef>
+          <a:fontRef idx="minor">
+            <a:schemeClr val="lt1"/>
+          </a:fontRef>
+        </p:style>
+        <p:txBody>
+          <a:bodyPr rtlCol="0" anchor="ctr"/>
+          <a:lstStyle/>
+          <a:p>
+            <a:pPr algn="ctr"/>
+            <a:endParaRPr lang="zh-CN" altLang="en-US"/>
+          </a:p>
+        </p:txBody>
+      </p:sp>
+      <p:sp>
+        <p:nvSpPr>
+          <p:cNvPr id="13" name="文本框 12">
+            <a:extLst>
+              <a:ext uri="{FF2B5EF4-FFF2-40B4-BE49-F238E27FC236}">
+                <a16:creationId xmlns:a16="http://schemas.microsoft.com/office/drawing/2014/main" id="{D3A235D0-FF85-4528-BC99-F73E4F7B618E}"/>
+              </a:ext>
+            </a:extLst>
+          </p:cNvPr>
+          <p:cNvSpPr txBox="1"/>
+          <p:nvPr/>
+        </p:nvSpPr>
+        <p:spPr>
+          <a:xfrm>
+            <a:off x="9197045" y="2094019"/>
+            <a:ext cx="1405851" cy="369332"/>
+          </a:xfrm>
+          <a:prstGeom prst="rect">
+            <a:avLst/>
+          </a:prstGeom>
+          <a:noFill/>
+          <a:ln>
+            <a:solidFill>
+              <a:schemeClr val="tx1"/>
+            </a:solidFill>
+          </a:ln>
+        </p:spPr>
+        <p:txBody>
+          <a:bodyPr wrap="square" rtlCol="0">
+            <a:spAutoFit/>
+          </a:bodyPr>
+          <a:lstStyle/>
+          <a:p>
+            <a:r>
+              <a:rPr lang="en-US" altLang="zh-CN" dirty="0"/>
+              <a:t>Stemmer</a:t>
+            </a:r>
+            <a:endParaRPr lang="zh-CN" altLang="en-US" dirty="0"/>
+          </a:p>
+        </p:txBody>
+      </p:sp>
     </p:spTree>
     <p:extLst>
       <p:ext uri="{BB962C8B-B14F-4D97-AF65-F5344CB8AC3E}">
@@ -5037,10 +5307,10 @@
       </p:grpSpPr>
       <p:sp>
         <p:nvSpPr>
-          <p:cNvPr id="9" name="文本框 8">
+          <p:cNvPr id="4" name="文本框 3">
             <a:extLst>
               <a:ext uri="{FF2B5EF4-FFF2-40B4-BE49-F238E27FC236}">
-                <a16:creationId xmlns:a16="http://schemas.microsoft.com/office/drawing/2014/main" id="{CD14B15A-38E5-430A-BCCE-D2B7A36C9B7F}"/>
+                <a16:creationId xmlns:a16="http://schemas.microsoft.com/office/drawing/2014/main" id="{371A741A-4537-4CB9-8F07-D591E07020FB}"/>
               </a:ext>
             </a:extLst>
           </p:cNvPr>
@@ -5049,8 +5319,8 @@
         </p:nvSpPr>
         <p:spPr>
           <a:xfrm>
-            <a:off x="1219200" y="1344692"/>
-            <a:ext cx="2552700" cy="369332"/>
+            <a:off x="1219199" y="1344692"/>
+            <a:ext cx="4515775" cy="369332"/>
           </a:xfrm>
           <a:prstGeom prst="rect">
             <a:avLst/>
@@ -5070,7 +5340,7 @@
           <a:p>
             <a:r>
               <a:rPr lang="en-US" altLang="zh-CN" dirty="0"/>
-              <a:t>Galago Intro</a:t>
+              <a:t>Galago retrieval model-----Java API</a:t>
             </a:r>
             <a:endParaRPr lang="zh-CN" altLang="en-US" dirty="0"/>
           </a:p>
@@ -5078,10 +5348,280 @@
       </p:sp>
       <p:sp>
         <p:nvSpPr>
-          <p:cNvPr id="10" name="矩形 9">
+          <p:cNvPr id="5" name="文本框 4">
             <a:extLst>
               <a:ext uri="{FF2B5EF4-FFF2-40B4-BE49-F238E27FC236}">
-                <a16:creationId xmlns:a16="http://schemas.microsoft.com/office/drawing/2014/main" id="{B75553B5-4574-4CD8-98E1-BDA234D67FB4}"/>
+                <a16:creationId xmlns:a16="http://schemas.microsoft.com/office/drawing/2014/main" id="{357495EA-1CF5-49F2-84D7-F9B57FBB7DAE}"/>
+              </a:ext>
+            </a:extLst>
+          </p:cNvPr>
+          <p:cNvSpPr txBox="1"/>
+          <p:nvPr/>
+        </p:nvSpPr>
+        <p:spPr>
+          <a:xfrm>
+            <a:off x="1219199" y="1833184"/>
+            <a:ext cx="10277384" cy="4401205"/>
+          </a:xfrm>
+          <a:prstGeom prst="rect">
+            <a:avLst/>
+          </a:prstGeom>
+          <a:noFill/>
+          <a:ln>
+            <a:solidFill>
+              <a:schemeClr val="tx1"/>
+            </a:solidFill>
+          </a:ln>
+        </p:spPr>
+        <p:txBody>
+          <a:bodyPr wrap="square" rtlCol="0">
+            <a:spAutoFit/>
+          </a:bodyPr>
+          <a:lstStyle/>
+          <a:p>
+            <a:pPr marL="285750" indent="-285750">
+              <a:buFont typeface="Arial" panose="020B0604020202020204" pitchFamily="34" charset="0"/>
+              <a:buChar char="•"/>
+            </a:pPr>
+            <a:r>
+              <a:rPr lang="en-US" altLang="zh-CN" dirty="0"/>
+              <a:t>Typically, we can </a:t>
+            </a:r>
+          </a:p>
+          <a:p>
+            <a:pPr marL="742950" lvl="1" indent="-285750">
+              <a:buFont typeface="Arial" panose="020B0604020202020204" pitchFamily="34" charset="0"/>
+              <a:buChar char="•"/>
+            </a:pPr>
+            <a:r>
+              <a:rPr lang="en-US" altLang="zh-CN" dirty="0"/>
+              <a:t>Specify scorer.</a:t>
+            </a:r>
+          </a:p>
+          <a:p>
+            <a:pPr marL="742950" lvl="1" indent="-285750">
+              <a:buFont typeface="Arial" panose="020B0604020202020204" pitchFamily="34" charset="0"/>
+              <a:buChar char="•"/>
+            </a:pPr>
+            <a:endParaRPr lang="en-US" altLang="zh-CN" dirty="0"/>
+          </a:p>
+          <a:p>
+            <a:pPr marL="742950" lvl="1" indent="-285750">
+              <a:buFont typeface="Arial" panose="020B0604020202020204" pitchFamily="34" charset="0"/>
+              <a:buChar char="•"/>
+            </a:pPr>
+            <a:endParaRPr lang="en-US" altLang="zh-CN" dirty="0"/>
+          </a:p>
+          <a:p>
+            <a:pPr marL="742950" lvl="1" indent="-285750">
+              <a:buFont typeface="Arial" panose="020B0604020202020204" pitchFamily="34" charset="0"/>
+              <a:buChar char="•"/>
+            </a:pPr>
+            <a:endParaRPr lang="en-US" altLang="zh-CN" dirty="0"/>
+          </a:p>
+          <a:p>
+            <a:pPr marL="742950" lvl="1" indent="-285750">
+              <a:buFont typeface="Arial" panose="020B0604020202020204" pitchFamily="34" charset="0"/>
+              <a:buChar char="•"/>
+            </a:pPr>
+            <a:endParaRPr lang="en-US" altLang="zh-CN" dirty="0"/>
+          </a:p>
+          <a:p>
+            <a:pPr marL="742950" lvl="1" indent="-285750">
+              <a:buFont typeface="Arial" panose="020B0604020202020204" pitchFamily="34" charset="0"/>
+              <a:buChar char="•"/>
+            </a:pPr>
+            <a:endParaRPr lang="en-US" altLang="zh-CN" dirty="0"/>
+          </a:p>
+          <a:p>
+            <a:pPr marL="742950" lvl="1" indent="-285750">
+              <a:buFont typeface="Arial" panose="020B0604020202020204" pitchFamily="34" charset="0"/>
+              <a:buChar char="•"/>
+            </a:pPr>
+            <a:endParaRPr lang="en-US" altLang="zh-CN" dirty="0"/>
+          </a:p>
+          <a:p>
+            <a:pPr marL="742950" lvl="1" indent="-285750">
+              <a:buFont typeface="Arial" panose="020B0604020202020204" pitchFamily="34" charset="0"/>
+              <a:buChar char="•"/>
+            </a:pPr>
+            <a:endParaRPr lang="en-US" altLang="zh-CN" dirty="0"/>
+          </a:p>
+          <a:p>
+            <a:pPr marL="742950" lvl="1" indent="-285750">
+              <a:buFont typeface="Arial" panose="020B0604020202020204" pitchFamily="34" charset="0"/>
+              <a:buChar char="•"/>
+            </a:pPr>
+            <a:endParaRPr lang="en-US" altLang="zh-CN" dirty="0"/>
+          </a:p>
+          <a:p>
+            <a:pPr marL="742950" lvl="1" indent="-285750">
+              <a:buFont typeface="Arial" panose="020B0604020202020204" pitchFamily="34" charset="0"/>
+              <a:buChar char="•"/>
+            </a:pPr>
+            <a:r>
+              <a:rPr lang="en-US" altLang="zh-CN" dirty="0"/>
+              <a:t>How</a:t>
+            </a:r>
+            <a:r>
+              <a:rPr lang="zh-CN" altLang="en-US" dirty="0"/>
+              <a:t> </a:t>
+            </a:r>
+            <a:r>
+              <a:rPr lang="en-US" altLang="zh-CN" dirty="0"/>
+              <a:t>to input query.  You need to know a little bit about </a:t>
+            </a:r>
+            <a:r>
+              <a:rPr lang="en-US" altLang="zh-CN" dirty="0">
+                <a:solidFill>
+                  <a:srgbClr val="FF0000"/>
+                </a:solidFill>
+              </a:rPr>
+              <a:t>Galago Query Language</a:t>
+            </a:r>
+            <a:r>
+              <a:rPr lang="en-US" altLang="zh-CN" dirty="0"/>
+              <a:t>. </a:t>
+            </a:r>
+          </a:p>
+          <a:p>
+            <a:pPr lvl="2"/>
+            <a:r>
+              <a:rPr lang="en-US" altLang="zh-CN" sz="1600" dirty="0"/>
+              <a:t>String </a:t>
+            </a:r>
+            <a:r>
+              <a:rPr lang="en-US" altLang="zh-CN" sz="1600" dirty="0" err="1"/>
+              <a:t>inputQueryString</a:t>
+            </a:r>
+            <a:r>
+              <a:rPr lang="en-US" altLang="zh-CN" sz="1600" dirty="0"/>
+              <a:t> = "#combine( apple )";         //query</a:t>
+            </a:r>
+          </a:p>
+          <a:p>
+            <a:pPr lvl="2"/>
+            <a:r>
+              <a:rPr lang="en-US" altLang="zh-CN" sz="1600" dirty="0"/>
+              <a:t>Node </a:t>
+            </a:r>
+            <a:r>
+              <a:rPr lang="en-US" altLang="zh-CN" sz="1600" dirty="0" err="1"/>
+              <a:t>queryTree</a:t>
+            </a:r>
+            <a:r>
+              <a:rPr lang="en-US" altLang="zh-CN" sz="1600" dirty="0"/>
+              <a:t> = </a:t>
+            </a:r>
+            <a:r>
+              <a:rPr lang="en-US" altLang="zh-CN" sz="1600" dirty="0" err="1"/>
+              <a:t>StructuredQuery.parse</a:t>
+            </a:r>
+            <a:r>
+              <a:rPr lang="en-US" altLang="zh-CN" sz="1600" dirty="0"/>
+              <a:t>(</a:t>
+            </a:r>
+            <a:r>
+              <a:rPr lang="en-US" altLang="zh-CN" sz="1600" dirty="0" err="1"/>
+              <a:t>inputQueryString</a:t>
+            </a:r>
+            <a:r>
+              <a:rPr lang="en-US" altLang="zh-CN" sz="1600" dirty="0"/>
+              <a:t>);  //change to query tree</a:t>
+            </a:r>
+          </a:p>
+          <a:p>
+            <a:pPr lvl="2"/>
+            <a:r>
+              <a:rPr lang="en-US" altLang="zh-CN" sz="1600" dirty="0"/>
+              <a:t>Node </a:t>
+            </a:r>
+            <a:r>
+              <a:rPr lang="en-US" altLang="zh-CN" sz="1600" dirty="0" err="1"/>
+              <a:t>transformedTree</a:t>
+            </a:r>
+            <a:r>
+              <a:rPr lang="en-US" altLang="zh-CN" sz="1600" dirty="0"/>
+              <a:t> = </a:t>
+            </a:r>
+            <a:r>
+              <a:rPr lang="en-US" altLang="zh-CN" sz="1600" dirty="0" err="1"/>
+              <a:t>retrieval.transformQuery</a:t>
+            </a:r>
+            <a:r>
+              <a:rPr lang="en-US" altLang="zh-CN" sz="1600" dirty="0"/>
+              <a:t>(</a:t>
+            </a:r>
+            <a:r>
+              <a:rPr lang="en-US" altLang="zh-CN" sz="1600" dirty="0" err="1"/>
+              <a:t>queryTree.clone</a:t>
+            </a:r>
+            <a:r>
+              <a:rPr lang="en-US" altLang="zh-CN" sz="1600" dirty="0"/>
+              <a:t>(), </a:t>
+            </a:r>
+            <a:r>
+              <a:rPr lang="en-US" altLang="zh-CN" sz="1600" dirty="0" err="1"/>
+              <a:t>queryParams</a:t>
+            </a:r>
+            <a:r>
+              <a:rPr lang="en-US" altLang="zh-CN" sz="1600" dirty="0"/>
+              <a:t>) </a:t>
+            </a:r>
+            <a:r>
+              <a:rPr lang="en-US" altLang="zh-CN" dirty="0"/>
+              <a:t>// apply traversals</a:t>
+            </a:r>
+            <a:endParaRPr lang="en-US" altLang="zh-CN" sz="1600" dirty="0"/>
+          </a:p>
+          <a:p>
+            <a:pPr lvl="2"/>
+            <a:r>
+              <a:rPr lang="en-US" altLang="zh-CN" sz="1600" dirty="0"/>
+              <a:t>List&lt;</a:t>
+            </a:r>
+            <a:r>
+              <a:rPr lang="en-US" altLang="zh-CN" sz="1600" dirty="0" err="1"/>
+              <a:t>ScoredDocument</a:t>
+            </a:r>
+            <a:r>
+              <a:rPr lang="en-US" altLang="zh-CN" sz="1600" dirty="0"/>
+              <a:t>&gt; results = </a:t>
+            </a:r>
+            <a:r>
+              <a:rPr lang="en-US" altLang="zh-CN" sz="1600" dirty="0" err="1"/>
+              <a:t>retrieval.executeQuery</a:t>
+            </a:r>
+            <a:r>
+              <a:rPr lang="en-US" altLang="zh-CN" sz="1600" dirty="0"/>
+              <a:t>(</a:t>
+            </a:r>
+            <a:r>
+              <a:rPr lang="en-US" altLang="zh-CN" sz="1600" dirty="0" err="1"/>
+              <a:t>transformedTree</a:t>
+            </a:r>
+            <a:r>
+              <a:rPr lang="en-US" altLang="zh-CN" sz="1600" dirty="0"/>
+              <a:t>, p).</a:t>
+            </a:r>
+            <a:r>
+              <a:rPr lang="en-US" altLang="zh-CN" sz="1600" dirty="0" err="1"/>
+              <a:t>scoredDocuments</a:t>
+            </a:r>
+            <a:r>
+              <a:rPr lang="en-US" altLang="zh-CN" sz="1600" dirty="0"/>
+              <a:t>; // issue the query!</a:t>
+            </a:r>
+            <a:endParaRPr lang="zh-CN" altLang="en-US" sz="1600" dirty="0"/>
+          </a:p>
+        </p:txBody>
+      </p:sp>
+      <p:sp>
+        <p:nvSpPr>
+          <p:cNvPr id="2" name="矩形 1">
+            <a:extLst>
+              <a:ext uri="{FF2B5EF4-FFF2-40B4-BE49-F238E27FC236}">
+                <a16:creationId xmlns:a16="http://schemas.microsoft.com/office/drawing/2014/main" id="{9C1986F6-E23C-4951-8516-AE1B45ECB797}"/>
               </a:ext>
             </a:extLst>
           </p:cNvPr>
@@ -5090,154 +5630,339 @@
         </p:nvSpPr>
         <p:spPr>
           <a:xfrm>
-            <a:off x="2326834" y="1910979"/>
-            <a:ext cx="7996997" cy="2862322"/>
+            <a:off x="2204621" y="2442419"/>
+            <a:ext cx="7782757" cy="1200329"/>
           </a:xfrm>
           <a:prstGeom prst="rect">
             <a:avLst/>
           </a:prstGeom>
-          <a:ln>
-            <a:solidFill>
-              <a:schemeClr val="tx1"/>
-            </a:solidFill>
-          </a:ln>
-        </p:spPr>
-        <p:txBody>
-          <a:bodyPr wrap="none">
+        </p:spPr>
+        <p:txBody>
+          <a:bodyPr wrap="square">
             <a:spAutoFit/>
           </a:bodyPr>
           <a:lstStyle/>
           <a:p>
-            <a:pPr marL="285750" indent="-285750">
-              <a:buFont typeface="Arial" panose="020B0604020202020204" pitchFamily="34" charset="0"/>
-              <a:buChar char="•"/>
-            </a:pPr>
-            <a:r>
-              <a:rPr lang="en-US" altLang="zh-CN" dirty="0"/>
-              <a:t>You can build invited index by yourself.</a:t>
-            </a:r>
-          </a:p>
-          <a:p>
-            <a:pPr marL="285750" indent="-285750">
-              <a:buFont typeface="Arial" panose="020B0604020202020204" pitchFamily="34" charset="0"/>
-              <a:buChar char="•"/>
-            </a:pPr>
-            <a:endParaRPr lang="en-US" altLang="zh-CN" dirty="0"/>
-          </a:p>
-          <a:p>
-            <a:pPr marL="285750" indent="-285750">
-              <a:buFont typeface="Arial" panose="020B0604020202020204" pitchFamily="34" charset="0"/>
-              <a:buChar char="•"/>
-            </a:pPr>
-            <a:r>
-              <a:rPr lang="en-US" altLang="zh-CN" dirty="0"/>
-              <a:t>Here I will introduce </a:t>
-            </a:r>
             <a:r>
               <a:rPr lang="en-US" altLang="zh-CN" dirty="0">
                 <a:solidFill>
-                  <a:srgbClr val="FF0000"/>
+                  <a:srgbClr val="000000"/>
                 </a:solidFill>
+                <a:latin typeface="Consolas" panose="020B0609020204030204" pitchFamily="49" charset="0"/>
               </a:rPr>
-              <a:t>Galago</a:t>
-            </a:r>
-            <a:r>
-              <a:rPr lang="en-US" altLang="zh-CN" dirty="0"/>
-              <a:t>, an open source search engines</a:t>
-            </a:r>
-          </a:p>
-          <a:p>
-            <a:pPr marL="742950" lvl="1" indent="-285750">
-              <a:buFont typeface="Arial" panose="020B0604020202020204" pitchFamily="34" charset="0"/>
-              <a:buChar char="•"/>
-            </a:pPr>
-            <a:endParaRPr lang="en-US" altLang="zh-CN" dirty="0"/>
-          </a:p>
-          <a:p>
-            <a:pPr marL="742950" lvl="1" indent="-285750">
-              <a:buFont typeface="Arial" panose="020B0604020202020204" pitchFamily="34" charset="0"/>
-              <a:buChar char="•"/>
-            </a:pPr>
+              <a:t> Parameters </a:t>
+            </a:r>
+            <a:r>
+              <a:rPr lang="en-US" altLang="zh-CN" u="sng" dirty="0">
+                <a:solidFill>
+                  <a:srgbClr val="6A3E3E"/>
+                </a:solidFill>
+                <a:latin typeface="Consolas" panose="020B0609020204030204" pitchFamily="49" charset="0"/>
+              </a:rPr>
+              <a:t>p</a:t>
+            </a:r>
+            <a:r>
+              <a:rPr lang="en-US" altLang="zh-CN" u="sng" dirty="0">
+                <a:solidFill>
+                  <a:srgbClr val="000000"/>
+                </a:solidFill>
+                <a:latin typeface="Consolas" panose="020B0609020204030204" pitchFamily="49" charset="0"/>
+              </a:rPr>
+              <a:t> = </a:t>
+            </a:r>
+            <a:r>
+              <a:rPr lang="en-US" altLang="zh-CN" b="1" u="sng" dirty="0">
+                <a:solidFill>
+                  <a:srgbClr val="7F0055"/>
+                </a:solidFill>
+                <a:latin typeface="Consolas" panose="020B0609020204030204" pitchFamily="49" charset="0"/>
+              </a:rPr>
+              <a:t>new</a:t>
+            </a:r>
+            <a:r>
+              <a:rPr lang="en-US" altLang="zh-CN" b="1" u="sng" dirty="0">
+                <a:solidFill>
+                  <a:srgbClr val="000000"/>
+                </a:solidFill>
+                <a:latin typeface="Consolas" panose="020B0609020204030204" pitchFamily="49" charset="0"/>
+              </a:rPr>
+              <a:t> Parameters();</a:t>
+            </a:r>
+          </a:p>
+          <a:p>
             <a:r>
               <a:rPr lang="en-US" altLang="zh-CN" dirty="0">
                 <a:solidFill>
-                  <a:srgbClr val="FF0000"/>
+                  <a:srgbClr val="000000"/>
                 </a:solidFill>
+                <a:latin typeface="Consolas" panose="020B0609020204030204" pitchFamily="49" charset="0"/>
               </a:rPr>
-              <a:t>Galago </a:t>
-            </a:r>
-            <a:r>
-              <a:rPr lang="en-US" altLang="zh-CN" dirty="0"/>
-              <a:t>can do Tokenization, Normalization, Stopping,  Stemming and finally</a:t>
-            </a:r>
-          </a:p>
-          <a:p>
-            <a:pPr lvl="1"/>
-            <a:r>
-              <a:rPr lang="en-US" altLang="zh-CN" dirty="0"/>
-              <a:t>build inverted index for us. </a:t>
+              <a:t> </a:t>
+            </a:r>
+            <a:r>
+              <a:rPr lang="en-US" altLang="zh-CN" dirty="0" err="1">
+                <a:solidFill>
+                  <a:srgbClr val="6A3E3E"/>
+                </a:solidFill>
+                <a:latin typeface="Consolas" panose="020B0609020204030204" pitchFamily="49" charset="0"/>
+              </a:rPr>
+              <a:t>p</a:t>
+            </a:r>
+            <a:r>
+              <a:rPr lang="en-US" altLang="zh-CN" dirty="0" err="1">
+                <a:solidFill>
+                  <a:srgbClr val="000000"/>
+                </a:solidFill>
+                <a:latin typeface="Consolas" panose="020B0609020204030204" pitchFamily="49" charset="0"/>
+              </a:rPr>
+              <a:t>.set</a:t>
             </a:r>
             <a:r>
               <a:rPr lang="en-US" altLang="zh-CN" dirty="0">
                 <a:solidFill>
-                  <a:srgbClr val="FF0000"/>
+                  <a:srgbClr val="000000"/>
                 </a:solidFill>
+                <a:latin typeface="Consolas" panose="020B0609020204030204" pitchFamily="49" charset="0"/>
               </a:rPr>
-              <a:t>Only one command line.</a:t>
-            </a:r>
-          </a:p>
-          <a:p>
-            <a:pPr lvl="1"/>
+              <a:t>(</a:t>
+            </a:r>
             <a:r>
               <a:rPr lang="en-US" altLang="zh-CN" dirty="0">
                 <a:solidFill>
-                  <a:srgbClr val="FF0000"/>
+                  <a:srgbClr val="2A00FF"/>
                 </a:solidFill>
+                <a:latin typeface="Consolas" panose="020B0609020204030204" pitchFamily="49" charset="0"/>
               </a:rPr>
-              <a:t>	</a:t>
-            </a:r>
-          </a:p>
-          <a:p>
-            <a:pPr marL="742950" lvl="1" indent="-285750">
-              <a:buFont typeface="Arial" panose="020B0604020202020204" pitchFamily="34" charset="0"/>
-              <a:buChar char="•"/>
-            </a:pPr>
-            <a:r>
-              <a:rPr lang="en-US" altLang="zh-CN" dirty="0"/>
-              <a:t>We can run basic retrieval model with command lines.</a:t>
-            </a:r>
-          </a:p>
-          <a:p>
-            <a:pPr marL="742950" lvl="1" indent="-285750">
-              <a:buFont typeface="Arial" panose="020B0604020202020204" pitchFamily="34" charset="0"/>
-              <a:buChar char="•"/>
-            </a:pPr>
-            <a:endParaRPr lang="en-US" altLang="zh-CN" dirty="0"/>
-          </a:p>
-          <a:p>
-            <a:pPr marL="742950" lvl="1" indent="-285750">
-              <a:buFont typeface="Arial" panose="020B0604020202020204" pitchFamily="34" charset="0"/>
-              <a:buChar char="•"/>
-            </a:pPr>
-            <a:r>
-              <a:rPr lang="en-US" altLang="zh-CN" dirty="0"/>
-              <a:t>We can also run retrieval model with Java and Galago’</a:t>
+              <a:t>"requested"</a:t>
             </a:r>
             <a:r>
               <a:rPr lang="en-US" altLang="zh-CN" dirty="0">
                 <a:solidFill>
-                  <a:srgbClr val="FF0000"/>
+                  <a:srgbClr val="000000"/>
                 </a:solidFill>
+                <a:latin typeface="Consolas" panose="020B0609020204030204" pitchFamily="49" charset="0"/>
               </a:rPr>
-              <a:t> API.</a:t>
-            </a:r>
-          </a:p>
-        </p:txBody>
-      </p:sp>
+              <a:t>, 2000); </a:t>
+            </a:r>
+            <a:r>
+              <a:rPr lang="en-US" altLang="zh-CN" dirty="0">
+                <a:solidFill>
+                  <a:srgbClr val="3F7F5F"/>
+                </a:solidFill>
+                <a:latin typeface="Consolas" panose="020B0609020204030204" pitchFamily="49" charset="0"/>
+              </a:rPr>
+              <a:t>// number of docs to retrieve </a:t>
+            </a:r>
+            <a:endParaRPr lang="en-US" altLang="zh-CN" dirty="0">
+              <a:solidFill>
+                <a:srgbClr val="000000"/>
+              </a:solidFill>
+              <a:latin typeface="Consolas" panose="020B0609020204030204" pitchFamily="49" charset="0"/>
+            </a:endParaRPr>
+          </a:p>
+          <a:p>
+            <a:r>
+              <a:rPr lang="en-US" altLang="zh-CN" dirty="0">
+                <a:solidFill>
+                  <a:srgbClr val="000000"/>
+                </a:solidFill>
+                <a:latin typeface="Consolas" panose="020B0609020204030204" pitchFamily="49" charset="0"/>
+              </a:rPr>
+              <a:t> </a:t>
+            </a:r>
+            <a:r>
+              <a:rPr lang="en-US" altLang="zh-CN" dirty="0" err="1">
+                <a:solidFill>
+                  <a:srgbClr val="6A3E3E"/>
+                </a:solidFill>
+                <a:latin typeface="Consolas" panose="020B0609020204030204" pitchFamily="49" charset="0"/>
+              </a:rPr>
+              <a:t>p</a:t>
+            </a:r>
+            <a:r>
+              <a:rPr lang="en-US" altLang="zh-CN" dirty="0" err="1">
+                <a:solidFill>
+                  <a:srgbClr val="000000"/>
+                </a:solidFill>
+                <a:latin typeface="Consolas" panose="020B0609020204030204" pitchFamily="49" charset="0"/>
+              </a:rPr>
+              <a:t>.set</a:t>
+            </a:r>
+            <a:r>
+              <a:rPr lang="en-US" altLang="zh-CN" dirty="0">
+                <a:solidFill>
+                  <a:srgbClr val="000000"/>
+                </a:solidFill>
+                <a:latin typeface="Consolas" panose="020B0609020204030204" pitchFamily="49" charset="0"/>
+              </a:rPr>
+              <a:t>(</a:t>
+            </a:r>
+            <a:r>
+              <a:rPr lang="en-US" altLang="zh-CN" dirty="0">
+                <a:solidFill>
+                  <a:srgbClr val="2A00FF"/>
+                </a:solidFill>
+                <a:latin typeface="Consolas" panose="020B0609020204030204" pitchFamily="49" charset="0"/>
+              </a:rPr>
+              <a:t>"scorer"</a:t>
+            </a:r>
+            <a:r>
+              <a:rPr lang="en-US" altLang="zh-CN" dirty="0">
+                <a:solidFill>
+                  <a:srgbClr val="000000"/>
+                </a:solidFill>
+                <a:latin typeface="Consolas" panose="020B0609020204030204" pitchFamily="49" charset="0"/>
+              </a:rPr>
+              <a:t>, </a:t>
+            </a:r>
+            <a:r>
+              <a:rPr lang="en-US" altLang="zh-CN" dirty="0">
+                <a:solidFill>
+                  <a:srgbClr val="2A00FF"/>
+                </a:solidFill>
+                <a:latin typeface="Consolas" panose="020B0609020204030204" pitchFamily="49" charset="0"/>
+              </a:rPr>
+              <a:t>"</a:t>
+            </a:r>
+            <a:r>
+              <a:rPr lang="en-US" altLang="zh-CN" dirty="0" err="1">
+                <a:solidFill>
+                  <a:srgbClr val="2A00FF"/>
+                </a:solidFill>
+                <a:latin typeface="Consolas" panose="020B0609020204030204" pitchFamily="49" charset="0"/>
+              </a:rPr>
+              <a:t>jm</a:t>
+            </a:r>
+            <a:r>
+              <a:rPr lang="en-US" altLang="zh-CN" dirty="0">
+                <a:solidFill>
+                  <a:srgbClr val="2A00FF"/>
+                </a:solidFill>
+                <a:latin typeface="Consolas" panose="020B0609020204030204" pitchFamily="49" charset="0"/>
+              </a:rPr>
+              <a:t>"</a:t>
+            </a:r>
+            <a:r>
+              <a:rPr lang="en-US" altLang="zh-CN" dirty="0">
+                <a:solidFill>
+                  <a:srgbClr val="000000"/>
+                </a:solidFill>
+                <a:latin typeface="Consolas" panose="020B0609020204030204" pitchFamily="49" charset="0"/>
+              </a:rPr>
+              <a:t>);  </a:t>
+            </a:r>
+            <a:r>
+              <a:rPr lang="en-US" altLang="zh-CN" dirty="0">
+                <a:solidFill>
+                  <a:srgbClr val="3F7F5F"/>
+                </a:solidFill>
+                <a:latin typeface="Consolas" panose="020B0609020204030204" pitchFamily="49" charset="0"/>
+              </a:rPr>
+              <a:t>// set JM smoothing method</a:t>
+            </a:r>
+          </a:p>
+          <a:p>
+            <a:r>
+              <a:rPr lang="en-US" altLang="zh-CN" dirty="0">
+                <a:solidFill>
+                  <a:srgbClr val="000000"/>
+                </a:solidFill>
+                <a:latin typeface="Consolas" panose="020B0609020204030204" pitchFamily="49" charset="0"/>
+              </a:rPr>
+              <a:t> </a:t>
+            </a:r>
+            <a:r>
+              <a:rPr lang="en-US" altLang="zh-CN" dirty="0" err="1">
+                <a:solidFill>
+                  <a:srgbClr val="6A3E3E"/>
+                </a:solidFill>
+                <a:latin typeface="Consolas" panose="020B0609020204030204" pitchFamily="49" charset="0"/>
+              </a:rPr>
+              <a:t>p</a:t>
+            </a:r>
+            <a:r>
+              <a:rPr lang="en-US" altLang="zh-CN" dirty="0" err="1">
+                <a:solidFill>
+                  <a:srgbClr val="000000"/>
+                </a:solidFill>
+                <a:latin typeface="Consolas" panose="020B0609020204030204" pitchFamily="49" charset="0"/>
+              </a:rPr>
+              <a:t>.set</a:t>
+            </a:r>
+            <a:r>
+              <a:rPr lang="en-US" altLang="zh-CN" dirty="0">
+                <a:solidFill>
+                  <a:srgbClr val="000000"/>
+                </a:solidFill>
+                <a:latin typeface="Consolas" panose="020B0609020204030204" pitchFamily="49" charset="0"/>
+              </a:rPr>
+              <a:t>(</a:t>
+            </a:r>
+            <a:r>
+              <a:rPr lang="en-US" altLang="zh-CN" dirty="0">
+                <a:solidFill>
+                  <a:srgbClr val="2A00FF"/>
+                </a:solidFill>
+                <a:latin typeface="Consolas" panose="020B0609020204030204" pitchFamily="49" charset="0"/>
+              </a:rPr>
+              <a:t>"lambda"</a:t>
+            </a:r>
+            <a:r>
+              <a:rPr lang="en-US" altLang="zh-CN" dirty="0">
+                <a:solidFill>
+                  <a:srgbClr val="000000"/>
+                </a:solidFill>
+                <a:latin typeface="Consolas" panose="020B0609020204030204" pitchFamily="49" charset="0"/>
+              </a:rPr>
+              <a:t>, 0.5);   </a:t>
+            </a:r>
+            <a:r>
+              <a:rPr lang="en-US" altLang="zh-CN" dirty="0">
+                <a:solidFill>
+                  <a:srgbClr val="3F7F5F"/>
+                </a:solidFill>
+                <a:latin typeface="Consolas" panose="020B0609020204030204" pitchFamily="49" charset="0"/>
+              </a:rPr>
+              <a:t>// set the parameters in JM method.</a:t>
+            </a:r>
+            <a:endParaRPr lang="zh-CN" altLang="en-US" dirty="0"/>
+          </a:p>
+        </p:txBody>
+      </p:sp>
+      <p:pic>
+        <p:nvPicPr>
+          <p:cNvPr id="6" name="图片 5">
+            <a:extLst>
+              <a:ext uri="{FF2B5EF4-FFF2-40B4-BE49-F238E27FC236}">
+                <a16:creationId xmlns:a16="http://schemas.microsoft.com/office/drawing/2014/main" id="{598A61FD-9F3D-4A62-8856-7D39F346605A}"/>
+              </a:ext>
+            </a:extLst>
+          </p:cNvPr>
+          <p:cNvPicPr>
+            <a:picLocks noChangeAspect="1"/>
+          </p:cNvPicPr>
+          <p:nvPr/>
+        </p:nvPicPr>
+        <p:blipFill>
+          <a:blip r:embed="rId2"/>
+          <a:stretch>
+            <a:fillRect/>
+          </a:stretch>
+        </p:blipFill>
+        <p:spPr>
+          <a:xfrm>
+            <a:off x="2766503" y="3642748"/>
+            <a:ext cx="5575508" cy="929251"/>
+          </a:xfrm>
+          <a:prstGeom prst="rect">
+            <a:avLst/>
+          </a:prstGeom>
+        </p:spPr>
+      </p:pic>
     </p:spTree>
     <p:extLst>
       <p:ext uri="{BB962C8B-B14F-4D97-AF65-F5344CB8AC3E}">
-        <p14:creationId xmlns:p14="http://schemas.microsoft.com/office/powerpoint/2010/main" val="2370499063"/>
+        <p14:creationId xmlns:p14="http://schemas.microsoft.com/office/powerpoint/2010/main" val="4164003431"/>
       </p:ext>
     </p:extLst>
   </p:cSld>
@@ -5264,484 +5989,40 @@
           <a:chExt cx="0" cy="0"/>
         </a:xfrm>
       </p:grpSpPr>
-      <p:sp>
-        <p:nvSpPr>
-          <p:cNvPr id="9" name="文本框 8">
+      <p:pic>
+        <p:nvPicPr>
+          <p:cNvPr id="5" name="图片 4">
             <a:extLst>
               <a:ext uri="{FF2B5EF4-FFF2-40B4-BE49-F238E27FC236}">
-                <a16:creationId xmlns:a16="http://schemas.microsoft.com/office/drawing/2014/main" id="{CD14B15A-38E5-430A-BCCE-D2B7A36C9B7F}"/>
+                <a16:creationId xmlns:a16="http://schemas.microsoft.com/office/drawing/2014/main" id="{9F9FCCC8-07FE-4004-A1C5-4A58EEA55073}"/>
               </a:ext>
             </a:extLst>
           </p:cNvPr>
-          <p:cNvSpPr txBox="1"/>
+          <p:cNvPicPr>
+            <a:picLocks noChangeAspect="1"/>
+          </p:cNvPicPr>
           <p:nvPr/>
-        </p:nvSpPr>
-        <p:spPr>
-          <a:xfrm>
-            <a:off x="1219200" y="1344692"/>
-            <a:ext cx="2552700" cy="369332"/>
+        </p:nvPicPr>
+        <p:blipFill>
+          <a:blip r:embed="rId2"/>
+          <a:stretch>
+            <a:fillRect/>
+          </a:stretch>
+        </p:blipFill>
+        <p:spPr>
+          <a:xfrm>
+            <a:off x="412595" y="1406928"/>
+            <a:ext cx="11207826" cy="4804302"/>
           </a:xfrm>
           <a:prstGeom prst="rect">
             <a:avLst/>
           </a:prstGeom>
-          <a:noFill/>
-          <a:ln>
-            <a:solidFill>
-              <a:schemeClr val="tx1"/>
-            </a:solidFill>
-          </a:ln>
-        </p:spPr>
-        <p:txBody>
-          <a:bodyPr wrap="square" rtlCol="0">
-            <a:spAutoFit/>
-          </a:bodyPr>
-          <a:lstStyle/>
-          <a:p>
-            <a:r>
-              <a:rPr lang="en-US" altLang="zh-CN" dirty="0"/>
-              <a:t>Galago Build </a:t>
-            </a:r>
-            <a:r>
-              <a:rPr lang="en-US" altLang="zh-CN" dirty="0" err="1"/>
-              <a:t>inidex</a:t>
-            </a:r>
-            <a:endParaRPr lang="zh-CN" altLang="en-US" dirty="0"/>
-          </a:p>
-        </p:txBody>
-      </p:sp>
-      <p:sp>
-        <p:nvSpPr>
-          <p:cNvPr id="2" name="矩形 1">
-            <a:extLst>
-              <a:ext uri="{FF2B5EF4-FFF2-40B4-BE49-F238E27FC236}">
-                <a16:creationId xmlns:a16="http://schemas.microsoft.com/office/drawing/2014/main" id="{E463A1BC-C28F-470B-B0EB-A46CB0D4EECD}"/>
-              </a:ext>
-            </a:extLst>
-          </p:cNvPr>
-          <p:cNvSpPr/>
-          <p:nvPr/>
-        </p:nvSpPr>
-        <p:spPr>
-          <a:xfrm>
-            <a:off x="1471252" y="2638706"/>
-            <a:ext cx="8563992" cy="646331"/>
-          </a:xfrm>
-          <a:prstGeom prst="rect">
-            <a:avLst/>
-          </a:prstGeom>
-          <a:ln>
-            <a:solidFill>
-              <a:schemeClr val="tx1"/>
-            </a:solidFill>
-          </a:ln>
-        </p:spPr>
-        <p:txBody>
-          <a:bodyPr wrap="square">
-            <a:spAutoFit/>
-          </a:bodyPr>
-          <a:lstStyle/>
-          <a:p>
-            <a:r>
-              <a:rPr lang="zh-CN" altLang="en-US" dirty="0"/>
-              <a:t>./galago/bin/galago build --inputPath=trecText_toy.gz --indexPath=./index/ --filetype=trectext --tokenizer/fields+text</a:t>
-            </a:r>
-          </a:p>
-        </p:txBody>
-      </p:sp>
-      <p:sp>
-        <p:nvSpPr>
-          <p:cNvPr id="3" name="箭头: 下 2">
-            <a:extLst>
-              <a:ext uri="{FF2B5EF4-FFF2-40B4-BE49-F238E27FC236}">
-                <a16:creationId xmlns:a16="http://schemas.microsoft.com/office/drawing/2014/main" id="{A02C1488-B41C-4128-8A5F-A8EB5173CC2C}"/>
-              </a:ext>
-            </a:extLst>
-          </p:cNvPr>
-          <p:cNvSpPr/>
-          <p:nvPr/>
-        </p:nvSpPr>
-        <p:spPr>
-          <a:xfrm rot="19969940">
-            <a:off x="5392222" y="1958098"/>
-            <a:ext cx="115410" cy="692458"/>
-          </a:xfrm>
-          <a:prstGeom prst="downArrow">
-            <a:avLst/>
-          </a:prstGeom>
-        </p:spPr>
-        <p:style>
-          <a:lnRef idx="2">
-            <a:schemeClr val="accent1">
-              <a:shade val="50000"/>
-            </a:schemeClr>
-          </a:lnRef>
-          <a:fillRef idx="1">
-            <a:schemeClr val="accent1"/>
-          </a:fillRef>
-          <a:effectRef idx="0">
-            <a:schemeClr val="accent1"/>
-          </a:effectRef>
-          <a:fontRef idx="minor">
-            <a:schemeClr val="lt1"/>
-          </a:fontRef>
-        </p:style>
-        <p:txBody>
-          <a:bodyPr rtlCol="0" anchor="ctr"/>
-          <a:lstStyle/>
-          <a:p>
-            <a:pPr algn="ctr"/>
-            <a:endParaRPr lang="zh-CN" altLang="en-US"/>
-          </a:p>
-        </p:txBody>
-      </p:sp>
-      <p:sp>
-        <p:nvSpPr>
-          <p:cNvPr id="4" name="矩形 3">
-            <a:extLst>
-              <a:ext uri="{FF2B5EF4-FFF2-40B4-BE49-F238E27FC236}">
-                <a16:creationId xmlns:a16="http://schemas.microsoft.com/office/drawing/2014/main" id="{5116191C-DF28-45BA-B1E4-4C2CA1C2B61F}"/>
-              </a:ext>
-            </a:extLst>
-          </p:cNvPr>
-          <p:cNvSpPr/>
-          <p:nvPr/>
-        </p:nvSpPr>
-        <p:spPr>
-          <a:xfrm>
-            <a:off x="4287071" y="1694724"/>
-            <a:ext cx="843501" cy="369332"/>
-          </a:xfrm>
-          <a:prstGeom prst="rect">
-            <a:avLst/>
-          </a:prstGeom>
-          <a:ln>
-            <a:solidFill>
-              <a:schemeClr val="tx1"/>
-            </a:solidFill>
-          </a:ln>
-        </p:spPr>
-        <p:txBody>
-          <a:bodyPr wrap="none">
-            <a:spAutoFit/>
-          </a:bodyPr>
-          <a:lstStyle/>
-          <a:p>
-            <a:r>
-              <a:rPr lang="en-US" altLang="zh-CN" dirty="0"/>
-              <a:t>Corpus</a:t>
-            </a:r>
-            <a:endParaRPr lang="zh-CN" altLang="en-US" dirty="0"/>
-          </a:p>
-        </p:txBody>
-      </p:sp>
-      <p:sp>
-        <p:nvSpPr>
-          <p:cNvPr id="7" name="箭头: 下 6">
-            <a:extLst>
-              <a:ext uri="{FF2B5EF4-FFF2-40B4-BE49-F238E27FC236}">
-                <a16:creationId xmlns:a16="http://schemas.microsoft.com/office/drawing/2014/main" id="{5F381E36-F82B-4982-B426-522200D2C098}"/>
-              </a:ext>
-            </a:extLst>
-          </p:cNvPr>
-          <p:cNvSpPr/>
-          <p:nvPr/>
-        </p:nvSpPr>
-        <p:spPr>
-          <a:xfrm rot="19969940">
-            <a:off x="7737527" y="1958099"/>
-            <a:ext cx="115410" cy="692458"/>
-          </a:xfrm>
-          <a:prstGeom prst="downArrow">
-            <a:avLst/>
-          </a:prstGeom>
-        </p:spPr>
-        <p:style>
-          <a:lnRef idx="2">
-            <a:schemeClr val="accent1">
-              <a:shade val="50000"/>
-            </a:schemeClr>
-          </a:lnRef>
-          <a:fillRef idx="1">
-            <a:schemeClr val="accent1"/>
-          </a:fillRef>
-          <a:effectRef idx="0">
-            <a:schemeClr val="accent1"/>
-          </a:effectRef>
-          <a:fontRef idx="minor">
-            <a:schemeClr val="lt1"/>
-          </a:fontRef>
-        </p:style>
-        <p:txBody>
-          <a:bodyPr rtlCol="0" anchor="ctr"/>
-          <a:lstStyle/>
-          <a:p>
-            <a:pPr algn="ctr"/>
-            <a:endParaRPr lang="zh-CN" altLang="en-US"/>
-          </a:p>
-        </p:txBody>
-      </p:sp>
-      <p:sp>
-        <p:nvSpPr>
-          <p:cNvPr id="8" name="矩形 7">
-            <a:extLst>
-              <a:ext uri="{FF2B5EF4-FFF2-40B4-BE49-F238E27FC236}">
-                <a16:creationId xmlns:a16="http://schemas.microsoft.com/office/drawing/2014/main" id="{006D2CBE-31AC-489F-94BD-57F53A2BE1CE}"/>
-              </a:ext>
-            </a:extLst>
-          </p:cNvPr>
-          <p:cNvSpPr/>
-          <p:nvPr/>
-        </p:nvSpPr>
-        <p:spPr>
-          <a:xfrm>
-            <a:off x="6589789" y="1659715"/>
-            <a:ext cx="1467005" cy="369332"/>
-          </a:xfrm>
-          <a:prstGeom prst="rect">
-            <a:avLst/>
-          </a:prstGeom>
-          <a:ln>
-            <a:solidFill>
-              <a:schemeClr val="tx1"/>
-            </a:solidFill>
-          </a:ln>
-        </p:spPr>
-        <p:txBody>
-          <a:bodyPr wrap="none">
-            <a:spAutoFit/>
-          </a:bodyPr>
-          <a:lstStyle/>
-          <a:p>
-            <a:r>
-              <a:rPr lang="en-US" altLang="zh-CN" dirty="0"/>
-              <a:t>Output folder</a:t>
-            </a:r>
-            <a:endParaRPr lang="zh-CN" altLang="en-US" dirty="0"/>
-          </a:p>
-        </p:txBody>
-      </p:sp>
-      <p:sp>
-        <p:nvSpPr>
-          <p:cNvPr id="11" name="矩形 10">
-            <a:extLst>
-              <a:ext uri="{FF2B5EF4-FFF2-40B4-BE49-F238E27FC236}">
-                <a16:creationId xmlns:a16="http://schemas.microsoft.com/office/drawing/2014/main" id="{3A3538AF-827F-44A1-B7B2-238CF7C2FC9E}"/>
-              </a:ext>
-            </a:extLst>
-          </p:cNvPr>
-          <p:cNvSpPr/>
-          <p:nvPr/>
-        </p:nvSpPr>
-        <p:spPr>
-          <a:xfrm>
-            <a:off x="1374594" y="4023960"/>
-            <a:ext cx="1314784" cy="369332"/>
-          </a:xfrm>
-          <a:prstGeom prst="rect">
-            <a:avLst/>
-          </a:prstGeom>
-          <a:ln>
-            <a:solidFill>
-              <a:schemeClr val="tx1"/>
-            </a:solidFill>
-          </a:ln>
-        </p:spPr>
-        <p:txBody>
-          <a:bodyPr wrap="none">
-            <a:spAutoFit/>
-          </a:bodyPr>
-          <a:lstStyle/>
-          <a:p>
-            <a:r>
-              <a:rPr lang="en-US" altLang="zh-CN" dirty="0"/>
-              <a:t>Corpus type</a:t>
-            </a:r>
-            <a:endParaRPr lang="zh-CN" altLang="en-US" dirty="0"/>
-          </a:p>
-        </p:txBody>
-      </p:sp>
-      <p:sp>
-        <p:nvSpPr>
-          <p:cNvPr id="12" name="箭头: 下 11">
-            <a:extLst>
-              <a:ext uri="{FF2B5EF4-FFF2-40B4-BE49-F238E27FC236}">
-                <a16:creationId xmlns:a16="http://schemas.microsoft.com/office/drawing/2014/main" id="{30C06FBB-6CC9-4C42-B3BD-C2FF7BBA21CC}"/>
-              </a:ext>
-            </a:extLst>
-          </p:cNvPr>
-          <p:cNvSpPr/>
-          <p:nvPr/>
-        </p:nvSpPr>
-        <p:spPr>
-          <a:xfrm rot="13012548">
-            <a:off x="2430087" y="3252905"/>
-            <a:ext cx="115410" cy="692458"/>
-          </a:xfrm>
-          <a:prstGeom prst="downArrow">
-            <a:avLst/>
-          </a:prstGeom>
-        </p:spPr>
-        <p:style>
-          <a:lnRef idx="2">
-            <a:schemeClr val="accent1">
-              <a:shade val="50000"/>
-            </a:schemeClr>
-          </a:lnRef>
-          <a:fillRef idx="1">
-            <a:schemeClr val="accent1"/>
-          </a:fillRef>
-          <a:effectRef idx="0">
-            <a:schemeClr val="accent1"/>
-          </a:effectRef>
-          <a:fontRef idx="minor">
-            <a:schemeClr val="lt1"/>
-          </a:fontRef>
-        </p:style>
-        <p:txBody>
-          <a:bodyPr rtlCol="0" anchor="ctr"/>
-          <a:lstStyle/>
-          <a:p>
-            <a:pPr algn="ctr"/>
-            <a:endParaRPr lang="zh-CN" altLang="en-US"/>
-          </a:p>
-        </p:txBody>
-      </p:sp>
-      <p:sp>
-        <p:nvSpPr>
-          <p:cNvPr id="13" name="矩形 12">
-            <a:extLst>
-              <a:ext uri="{FF2B5EF4-FFF2-40B4-BE49-F238E27FC236}">
-                <a16:creationId xmlns:a16="http://schemas.microsoft.com/office/drawing/2014/main" id="{95E8FCFE-C718-48AC-BA8F-FDFF3B6A1902}"/>
-              </a:ext>
-            </a:extLst>
-          </p:cNvPr>
-          <p:cNvSpPr/>
-          <p:nvPr/>
-        </p:nvSpPr>
-        <p:spPr>
-          <a:xfrm>
-            <a:off x="4135143" y="4023960"/>
-            <a:ext cx="1789336" cy="369332"/>
-          </a:xfrm>
-          <a:prstGeom prst="rect">
-            <a:avLst/>
-          </a:prstGeom>
-          <a:ln>
-            <a:solidFill>
-              <a:schemeClr val="tx1"/>
-            </a:solidFill>
-          </a:ln>
-        </p:spPr>
-        <p:txBody>
-          <a:bodyPr wrap="none">
-            <a:spAutoFit/>
-          </a:bodyPr>
-          <a:lstStyle/>
-          <a:p>
-            <a:r>
-              <a:rPr lang="en-US" altLang="zh-CN" dirty="0"/>
-              <a:t>Specify Tokenizer</a:t>
-            </a:r>
-            <a:endParaRPr lang="zh-CN" altLang="en-US" dirty="0"/>
-          </a:p>
-        </p:txBody>
-      </p:sp>
-      <p:sp>
-        <p:nvSpPr>
-          <p:cNvPr id="14" name="箭头: 下 13">
-            <a:extLst>
-              <a:ext uri="{FF2B5EF4-FFF2-40B4-BE49-F238E27FC236}">
-                <a16:creationId xmlns:a16="http://schemas.microsoft.com/office/drawing/2014/main" id="{40DEC917-C1FB-437B-8A0A-7A1BA91C5AD2}"/>
-              </a:ext>
-            </a:extLst>
-          </p:cNvPr>
-          <p:cNvSpPr/>
-          <p:nvPr/>
-        </p:nvSpPr>
-        <p:spPr>
-          <a:xfrm rot="9567789">
-            <a:off x="4884292" y="3286852"/>
-            <a:ext cx="115410" cy="692458"/>
-          </a:xfrm>
-          <a:prstGeom prst="downArrow">
-            <a:avLst/>
-          </a:prstGeom>
-        </p:spPr>
-        <p:style>
-          <a:lnRef idx="2">
-            <a:schemeClr val="accent1">
-              <a:shade val="50000"/>
-            </a:schemeClr>
-          </a:lnRef>
-          <a:fillRef idx="1">
-            <a:schemeClr val="accent1"/>
-          </a:fillRef>
-          <a:effectRef idx="0">
-            <a:schemeClr val="accent1"/>
-          </a:effectRef>
-          <a:fontRef idx="minor">
-            <a:schemeClr val="lt1"/>
-          </a:fontRef>
-        </p:style>
-        <p:txBody>
-          <a:bodyPr rtlCol="0" anchor="ctr"/>
-          <a:lstStyle/>
-          <a:p>
-            <a:pPr algn="ctr"/>
-            <a:endParaRPr lang="zh-CN" altLang="en-US"/>
-          </a:p>
-        </p:txBody>
-      </p:sp>
-      <p:sp>
-        <p:nvSpPr>
-          <p:cNvPr id="15" name="矩形 14">
-            <a:extLst>
-              <a:ext uri="{FF2B5EF4-FFF2-40B4-BE49-F238E27FC236}">
-                <a16:creationId xmlns:a16="http://schemas.microsoft.com/office/drawing/2014/main" id="{8E901AFB-ACE8-4919-BCEA-DFA4535AA0D2}"/>
-              </a:ext>
-            </a:extLst>
-          </p:cNvPr>
-          <p:cNvSpPr/>
-          <p:nvPr/>
-        </p:nvSpPr>
-        <p:spPr>
-          <a:xfrm>
-            <a:off x="809005" y="5000106"/>
-            <a:ext cx="5925789" cy="646331"/>
-          </a:xfrm>
-          <a:prstGeom prst="rect">
-            <a:avLst/>
-          </a:prstGeom>
-          <a:ln>
-            <a:solidFill>
-              <a:schemeClr val="tx1"/>
-            </a:solidFill>
-          </a:ln>
-        </p:spPr>
-        <p:txBody>
-          <a:bodyPr wrap="none">
-            <a:spAutoFit/>
-          </a:bodyPr>
-          <a:lstStyle/>
-          <a:p>
-            <a:r>
-              <a:rPr lang="en-US" altLang="zh-CN" dirty="0"/>
-              <a:t>Please refer following repo to install galago,</a:t>
-            </a:r>
-          </a:p>
-          <a:p>
-            <a:r>
-              <a:rPr lang="en-US" altLang="zh-CN" dirty="0"/>
-              <a:t>https://github.com/Taosheng-ty/CS_6550_galago_tutorial.git</a:t>
-            </a:r>
-            <a:endParaRPr lang="zh-CN" altLang="en-US" dirty="0"/>
-          </a:p>
-        </p:txBody>
-      </p:sp>
+        </p:spPr>
+      </p:pic>
     </p:spTree>
     <p:extLst>
       <p:ext uri="{BB962C8B-B14F-4D97-AF65-F5344CB8AC3E}">
-        <p14:creationId xmlns:p14="http://schemas.microsoft.com/office/powerpoint/2010/main" val="1844123187"/>
+        <p14:creationId xmlns:p14="http://schemas.microsoft.com/office/powerpoint/2010/main" val="2030274717"/>
       </p:ext>
     </p:extLst>
   </p:cSld>
@@ -5770,1856 +6051,6 @@
       </p:grpSpPr>
       <p:sp>
         <p:nvSpPr>
-          <p:cNvPr id="2" name="矩形 1">
-            <a:extLst>
-              <a:ext uri="{FF2B5EF4-FFF2-40B4-BE49-F238E27FC236}">
-                <a16:creationId xmlns:a16="http://schemas.microsoft.com/office/drawing/2014/main" id="{BCCECC9B-42A5-4A37-83FA-14B60D49B21A}"/>
-              </a:ext>
-            </a:extLst>
-          </p:cNvPr>
-          <p:cNvSpPr/>
-          <p:nvPr/>
-        </p:nvSpPr>
-        <p:spPr>
-          <a:xfrm>
-            <a:off x="666558" y="2202051"/>
-            <a:ext cx="4272323" cy="1477328"/>
-          </a:xfrm>
-          <a:prstGeom prst="rect">
-            <a:avLst/>
-          </a:prstGeom>
-          <a:ln>
-            <a:solidFill>
-              <a:schemeClr val="tx1"/>
-            </a:solidFill>
-          </a:ln>
-        </p:spPr>
-        <p:txBody>
-          <a:bodyPr wrap="none">
-            <a:spAutoFit/>
-          </a:bodyPr>
-          <a:lstStyle/>
-          <a:p>
-            <a:pPr marL="285750" indent="-285750">
-              <a:buFont typeface="Arial" panose="020B0604020202020204" pitchFamily="34" charset="0"/>
-              <a:buChar char="•"/>
-            </a:pPr>
-            <a:r>
-              <a:rPr lang="en-US" altLang="zh-CN" dirty="0">
-                <a:solidFill>
-                  <a:srgbClr val="3F7F5F"/>
-                </a:solidFill>
-                <a:latin typeface="Consolas" panose="020B0609020204030204" pitchFamily="49" charset="0"/>
-              </a:rPr>
-              <a:t>Extracting Document Statistics</a:t>
-            </a:r>
-          </a:p>
-          <a:p>
-            <a:pPr marL="742950" lvl="1" indent="-285750">
-              <a:buFont typeface="Arial" panose="020B0604020202020204" pitchFamily="34" charset="0"/>
-              <a:buChar char="•"/>
-            </a:pPr>
-            <a:r>
-              <a:rPr lang="en-US" altLang="zh-CN" dirty="0"/>
-              <a:t>Number of documents</a:t>
-            </a:r>
-          </a:p>
-          <a:p>
-            <a:pPr marL="742950" lvl="1" indent="-285750">
-              <a:buFont typeface="Arial" panose="020B0604020202020204" pitchFamily="34" charset="0"/>
-              <a:buChar char="•"/>
-            </a:pPr>
-            <a:r>
-              <a:rPr lang="en-US" altLang="zh-CN" dirty="0"/>
-              <a:t>Maximal document length </a:t>
-            </a:r>
-          </a:p>
-          <a:p>
-            <a:pPr marL="742950" lvl="1" indent="-285750">
-              <a:buFont typeface="Arial" panose="020B0604020202020204" pitchFamily="34" charset="0"/>
-              <a:buChar char="•"/>
-            </a:pPr>
-            <a:r>
-              <a:rPr lang="en-US" altLang="zh-CN" dirty="0"/>
-              <a:t>Minimal document  length</a:t>
-            </a:r>
-          </a:p>
-          <a:p>
-            <a:pPr marL="742950" lvl="1" indent="-285750">
-              <a:buFont typeface="Arial" panose="020B0604020202020204" pitchFamily="34" charset="0"/>
-              <a:buChar char="•"/>
-            </a:pPr>
-            <a:r>
-              <a:rPr lang="en-US" altLang="zh-CN" dirty="0"/>
-              <a:t>Average document length</a:t>
-            </a:r>
-            <a:endParaRPr lang="zh-CN" altLang="en-US" dirty="0"/>
-          </a:p>
-        </p:txBody>
-      </p:sp>
-      <p:sp>
-        <p:nvSpPr>
-          <p:cNvPr id="5" name="矩形 4">
-            <a:extLst>
-              <a:ext uri="{FF2B5EF4-FFF2-40B4-BE49-F238E27FC236}">
-                <a16:creationId xmlns:a16="http://schemas.microsoft.com/office/drawing/2014/main" id="{267F650A-AA12-4D7E-8DE2-E3D9C143C1DF}"/>
-              </a:ext>
-            </a:extLst>
-          </p:cNvPr>
-          <p:cNvSpPr/>
-          <p:nvPr/>
-        </p:nvSpPr>
-        <p:spPr>
-          <a:xfrm>
-            <a:off x="5791201" y="1678788"/>
-            <a:ext cx="6113753" cy="4801314"/>
-          </a:xfrm>
-          <a:prstGeom prst="rect">
-            <a:avLst/>
-          </a:prstGeom>
-          <a:ln>
-            <a:solidFill>
-              <a:schemeClr val="tx1"/>
-            </a:solidFill>
-          </a:ln>
-        </p:spPr>
-        <p:txBody>
-          <a:bodyPr wrap="square">
-            <a:spAutoFit/>
-          </a:bodyPr>
-          <a:lstStyle/>
-          <a:p>
-            <a:r>
-              <a:rPr lang="en-US" altLang="zh-CN" dirty="0">
-                <a:solidFill>
-                  <a:srgbClr val="000000"/>
-                </a:solidFill>
-                <a:latin typeface="Consolas" panose="020B0609020204030204" pitchFamily="49" charset="0"/>
-              </a:rPr>
-              <a:t>String </a:t>
-            </a:r>
-            <a:r>
-              <a:rPr lang="en-US" altLang="zh-CN" dirty="0" err="1">
-                <a:solidFill>
-                  <a:srgbClr val="6A3E3E"/>
-                </a:solidFill>
-                <a:latin typeface="Consolas" panose="020B0609020204030204" pitchFamily="49" charset="0"/>
-              </a:rPr>
-              <a:t>pathIndexBase</a:t>
-            </a:r>
-            <a:r>
-              <a:rPr lang="en-US" altLang="zh-CN" dirty="0">
-                <a:solidFill>
-                  <a:srgbClr val="000000"/>
-                </a:solidFill>
-                <a:latin typeface="Consolas" panose="020B0609020204030204" pitchFamily="49" charset="0"/>
-              </a:rPr>
-              <a:t> = </a:t>
-            </a:r>
-            <a:r>
-              <a:rPr lang="en-US" altLang="zh-CN" dirty="0">
-                <a:solidFill>
-                  <a:srgbClr val="2A00FF"/>
-                </a:solidFill>
-                <a:latin typeface="Consolas" panose="020B0609020204030204" pitchFamily="49" charset="0"/>
-              </a:rPr>
-              <a:t>"CS_6550_galago_tutorial\\index"</a:t>
-            </a:r>
-            <a:r>
-              <a:rPr lang="en-US" altLang="zh-CN" dirty="0">
-                <a:solidFill>
-                  <a:srgbClr val="000000"/>
-                </a:solidFill>
-                <a:latin typeface="Consolas" panose="020B0609020204030204" pitchFamily="49" charset="0"/>
-              </a:rPr>
-              <a:t>;  </a:t>
-            </a:r>
-            <a:r>
-              <a:rPr lang="en-US" altLang="zh-CN" dirty="0">
-                <a:solidFill>
-                  <a:srgbClr val="3F7F5F"/>
-                </a:solidFill>
-                <a:latin typeface="Consolas" panose="020B0609020204030204" pitchFamily="49" charset="0"/>
-              </a:rPr>
-              <a:t>//path to index folder</a:t>
-            </a:r>
-          </a:p>
-          <a:p>
-            <a:r>
-              <a:rPr lang="en-US" altLang="zh-CN" dirty="0">
-                <a:solidFill>
-                  <a:srgbClr val="000000"/>
-                </a:solidFill>
-                <a:latin typeface="Consolas" panose="020B0609020204030204" pitchFamily="49" charset="0"/>
-              </a:rPr>
-              <a:t>Retrieval </a:t>
-            </a:r>
-            <a:r>
-              <a:rPr lang="en-US" altLang="zh-CN" dirty="0" err="1">
-                <a:solidFill>
-                  <a:srgbClr val="6A3E3E"/>
-                </a:solidFill>
-                <a:latin typeface="Consolas" panose="020B0609020204030204" pitchFamily="49" charset="0"/>
-              </a:rPr>
-              <a:t>retrieval</a:t>
-            </a:r>
-            <a:r>
-              <a:rPr lang="en-US" altLang="zh-CN" dirty="0">
-                <a:solidFill>
-                  <a:srgbClr val="000000"/>
-                </a:solidFill>
-                <a:latin typeface="Consolas" panose="020B0609020204030204" pitchFamily="49" charset="0"/>
-              </a:rPr>
-              <a:t> = </a:t>
-            </a:r>
-            <a:r>
-              <a:rPr lang="en-US" altLang="zh-CN" dirty="0" err="1">
-                <a:solidFill>
-                  <a:srgbClr val="000000"/>
-                </a:solidFill>
-                <a:latin typeface="Consolas" panose="020B0609020204030204" pitchFamily="49" charset="0"/>
-              </a:rPr>
-              <a:t>RetrievalFactory.</a:t>
-            </a:r>
-            <a:r>
-              <a:rPr lang="en-US" altLang="zh-CN" i="1" dirty="0" err="1">
-                <a:solidFill>
-                  <a:srgbClr val="000000"/>
-                </a:solidFill>
-                <a:latin typeface="Consolas" panose="020B0609020204030204" pitchFamily="49" charset="0"/>
-              </a:rPr>
-              <a:t>instance</a:t>
-            </a:r>
-            <a:r>
-              <a:rPr lang="en-US" altLang="zh-CN" i="1" dirty="0">
-                <a:solidFill>
-                  <a:srgbClr val="000000"/>
-                </a:solidFill>
-                <a:latin typeface="Consolas" panose="020B0609020204030204" pitchFamily="49" charset="0"/>
-              </a:rPr>
-              <a:t>(</a:t>
-            </a:r>
-            <a:r>
-              <a:rPr lang="en-US" altLang="zh-CN" i="1" dirty="0" err="1">
-                <a:solidFill>
-                  <a:srgbClr val="6A3E3E"/>
-                </a:solidFill>
-                <a:latin typeface="Consolas" panose="020B0609020204030204" pitchFamily="49" charset="0"/>
-              </a:rPr>
-              <a:t>pathIndexBase</a:t>
-            </a:r>
-            <a:r>
-              <a:rPr lang="en-US" altLang="zh-CN" i="1" dirty="0">
-                <a:solidFill>
-                  <a:srgbClr val="000000"/>
-                </a:solidFill>
-                <a:latin typeface="Consolas" panose="020B0609020204030204" pitchFamily="49" charset="0"/>
-              </a:rPr>
-              <a:t>, </a:t>
-            </a:r>
-            <a:r>
-              <a:rPr lang="en-US" altLang="zh-CN" i="1" dirty="0" err="1">
-                <a:solidFill>
-                  <a:srgbClr val="000000"/>
-                </a:solidFill>
-                <a:latin typeface="Consolas" panose="020B0609020204030204" pitchFamily="49" charset="0"/>
-              </a:rPr>
-              <a:t>Parameters.create</a:t>
-            </a:r>
-            <a:r>
-              <a:rPr lang="en-US" altLang="zh-CN" i="1" dirty="0">
-                <a:solidFill>
-                  <a:srgbClr val="000000"/>
-                </a:solidFill>
-                <a:latin typeface="Consolas" panose="020B0609020204030204" pitchFamily="49" charset="0"/>
-              </a:rPr>
-              <a:t>());</a:t>
-            </a:r>
-            <a:endParaRPr lang="zh-CN" altLang="en-US" dirty="0">
-              <a:latin typeface="Consolas" panose="020B0609020204030204" pitchFamily="49" charset="0"/>
-            </a:endParaRPr>
-          </a:p>
-          <a:p>
-            <a:r>
-              <a:rPr lang="en-US" altLang="zh-CN" dirty="0">
-                <a:solidFill>
-                  <a:srgbClr val="3F7F5F"/>
-                </a:solidFill>
-                <a:latin typeface="Consolas" panose="020B0609020204030204" pitchFamily="49" charset="0"/>
-              </a:rPr>
-              <a:t>//Extracting Document Statistics</a:t>
-            </a:r>
-          </a:p>
-          <a:p>
-            <a:r>
-              <a:rPr lang="en-US" altLang="zh-CN" dirty="0">
-                <a:solidFill>
-                  <a:srgbClr val="000000"/>
-                </a:solidFill>
-                <a:latin typeface="Consolas" panose="020B0609020204030204" pitchFamily="49" charset="0"/>
-              </a:rPr>
-              <a:t>Node </a:t>
-            </a:r>
-            <a:r>
-              <a:rPr lang="en-US" altLang="zh-CN" dirty="0">
-                <a:solidFill>
-                  <a:srgbClr val="6A3E3E"/>
-                </a:solidFill>
-                <a:latin typeface="Consolas" panose="020B0609020204030204" pitchFamily="49" charset="0"/>
-              </a:rPr>
-              <a:t>n</a:t>
-            </a:r>
-            <a:r>
-              <a:rPr lang="en-US" altLang="zh-CN" dirty="0">
-                <a:solidFill>
-                  <a:srgbClr val="000000"/>
-                </a:solidFill>
-                <a:latin typeface="Consolas" panose="020B0609020204030204" pitchFamily="49" charset="0"/>
-              </a:rPr>
-              <a:t> = </a:t>
-            </a:r>
-            <a:r>
-              <a:rPr lang="en-US" altLang="zh-CN" b="1" dirty="0">
-                <a:solidFill>
-                  <a:srgbClr val="7F0055"/>
-                </a:solidFill>
-                <a:latin typeface="Consolas" panose="020B0609020204030204" pitchFamily="49" charset="0"/>
-              </a:rPr>
-              <a:t>new</a:t>
-            </a:r>
-            <a:r>
-              <a:rPr lang="en-US" altLang="zh-CN" b="1" dirty="0">
-                <a:solidFill>
-                  <a:srgbClr val="000000"/>
-                </a:solidFill>
-                <a:latin typeface="Consolas" panose="020B0609020204030204" pitchFamily="49" charset="0"/>
-              </a:rPr>
-              <a:t> Node();</a:t>
-            </a:r>
-          </a:p>
-          <a:p>
-            <a:r>
-              <a:rPr lang="en-US" altLang="zh-CN" dirty="0" err="1">
-                <a:solidFill>
-                  <a:srgbClr val="6A3E3E"/>
-                </a:solidFill>
-                <a:latin typeface="Consolas" panose="020B0609020204030204" pitchFamily="49" charset="0"/>
-              </a:rPr>
-              <a:t>n</a:t>
-            </a:r>
-            <a:r>
-              <a:rPr lang="en-US" altLang="zh-CN" dirty="0" err="1">
-                <a:solidFill>
-                  <a:srgbClr val="000000"/>
-                </a:solidFill>
-                <a:latin typeface="Consolas" panose="020B0609020204030204" pitchFamily="49" charset="0"/>
-              </a:rPr>
-              <a:t>.setOperator</a:t>
-            </a:r>
-            <a:r>
-              <a:rPr lang="en-US" altLang="zh-CN" dirty="0">
-                <a:solidFill>
-                  <a:srgbClr val="000000"/>
-                </a:solidFill>
-                <a:latin typeface="Consolas" panose="020B0609020204030204" pitchFamily="49" charset="0"/>
-              </a:rPr>
-              <a:t>(</a:t>
-            </a:r>
-            <a:r>
-              <a:rPr lang="en-US" altLang="zh-CN" dirty="0">
-                <a:solidFill>
-                  <a:srgbClr val="2A00FF"/>
-                </a:solidFill>
-                <a:latin typeface="Consolas" panose="020B0609020204030204" pitchFamily="49" charset="0"/>
-              </a:rPr>
-              <a:t>"lengths"</a:t>
-            </a:r>
-            <a:r>
-              <a:rPr lang="en-US" altLang="zh-CN" dirty="0">
-                <a:solidFill>
-                  <a:srgbClr val="000000"/>
-                </a:solidFill>
-                <a:latin typeface="Consolas" panose="020B0609020204030204" pitchFamily="49" charset="0"/>
-              </a:rPr>
-              <a:t>);</a:t>
-            </a:r>
-          </a:p>
-          <a:p>
-            <a:r>
-              <a:rPr lang="en-US" altLang="zh-CN" dirty="0" err="1">
-                <a:solidFill>
-                  <a:srgbClr val="6A3E3E"/>
-                </a:solidFill>
-                <a:latin typeface="Consolas" panose="020B0609020204030204" pitchFamily="49" charset="0"/>
-              </a:rPr>
-              <a:t>n</a:t>
-            </a:r>
-            <a:r>
-              <a:rPr lang="en-US" altLang="zh-CN" dirty="0" err="1">
-                <a:solidFill>
-                  <a:srgbClr val="000000"/>
-                </a:solidFill>
-                <a:latin typeface="Consolas" panose="020B0609020204030204" pitchFamily="49" charset="0"/>
-              </a:rPr>
-              <a:t>.getNodeParameters</a:t>
-            </a:r>
-            <a:r>
-              <a:rPr lang="en-US" altLang="zh-CN" dirty="0">
-                <a:solidFill>
-                  <a:srgbClr val="000000"/>
-                </a:solidFill>
-                <a:latin typeface="Consolas" panose="020B0609020204030204" pitchFamily="49" charset="0"/>
-              </a:rPr>
-              <a:t>().set(</a:t>
-            </a:r>
-            <a:r>
-              <a:rPr lang="en-US" altLang="zh-CN" dirty="0">
-                <a:solidFill>
-                  <a:srgbClr val="2A00FF"/>
-                </a:solidFill>
-                <a:latin typeface="Consolas" panose="020B0609020204030204" pitchFamily="49" charset="0"/>
-              </a:rPr>
-              <a:t>"part"</a:t>
-            </a:r>
-            <a:r>
-              <a:rPr lang="en-US" altLang="zh-CN" dirty="0">
-                <a:solidFill>
-                  <a:srgbClr val="000000"/>
-                </a:solidFill>
-                <a:latin typeface="Consolas" panose="020B0609020204030204" pitchFamily="49" charset="0"/>
-              </a:rPr>
-              <a:t>, </a:t>
-            </a:r>
-            <a:r>
-              <a:rPr lang="en-US" altLang="zh-CN" dirty="0">
-                <a:solidFill>
-                  <a:srgbClr val="2A00FF"/>
-                </a:solidFill>
-                <a:latin typeface="Consolas" panose="020B0609020204030204" pitchFamily="49" charset="0"/>
-              </a:rPr>
-              <a:t>"lengths"</a:t>
-            </a:r>
-            <a:r>
-              <a:rPr lang="en-US" altLang="zh-CN" dirty="0">
-                <a:solidFill>
-                  <a:srgbClr val="000000"/>
-                </a:solidFill>
-                <a:latin typeface="Consolas" panose="020B0609020204030204" pitchFamily="49" charset="0"/>
-              </a:rPr>
-              <a:t>);</a:t>
-            </a:r>
-          </a:p>
-          <a:p>
-            <a:r>
-              <a:rPr lang="en-US" altLang="zh-CN" dirty="0" err="1">
-                <a:solidFill>
-                  <a:srgbClr val="000000"/>
-                </a:solidFill>
-                <a:latin typeface="Consolas" panose="020B0609020204030204" pitchFamily="49" charset="0"/>
-              </a:rPr>
-              <a:t>FieldStatistics</a:t>
-            </a:r>
-            <a:r>
-              <a:rPr lang="en-US" altLang="zh-CN" dirty="0">
-                <a:solidFill>
-                  <a:srgbClr val="000000"/>
-                </a:solidFill>
-                <a:latin typeface="Consolas" panose="020B0609020204030204" pitchFamily="49" charset="0"/>
-              </a:rPr>
-              <a:t> </a:t>
-            </a:r>
-            <a:r>
-              <a:rPr lang="en-US" altLang="zh-CN" dirty="0">
-                <a:solidFill>
-                  <a:srgbClr val="6A3E3E"/>
-                </a:solidFill>
-                <a:latin typeface="Consolas" panose="020B0609020204030204" pitchFamily="49" charset="0"/>
-              </a:rPr>
-              <a:t>stat</a:t>
-            </a:r>
-            <a:r>
-              <a:rPr lang="en-US" altLang="zh-CN" dirty="0">
-                <a:solidFill>
-                  <a:srgbClr val="000000"/>
-                </a:solidFill>
-                <a:latin typeface="Consolas" panose="020B0609020204030204" pitchFamily="49" charset="0"/>
-              </a:rPr>
-              <a:t> = </a:t>
-            </a:r>
-            <a:r>
-              <a:rPr lang="en-US" altLang="zh-CN" dirty="0" err="1">
-                <a:solidFill>
-                  <a:srgbClr val="6A3E3E"/>
-                </a:solidFill>
-                <a:latin typeface="Consolas" panose="020B0609020204030204" pitchFamily="49" charset="0"/>
-              </a:rPr>
-              <a:t>retrieval</a:t>
-            </a:r>
-            <a:r>
-              <a:rPr lang="en-US" altLang="zh-CN" dirty="0" err="1">
-                <a:solidFill>
-                  <a:srgbClr val="000000"/>
-                </a:solidFill>
-                <a:latin typeface="Consolas" panose="020B0609020204030204" pitchFamily="49" charset="0"/>
-              </a:rPr>
-              <a:t>.getCollectionStatistics</a:t>
-            </a:r>
-            <a:r>
-              <a:rPr lang="en-US" altLang="zh-CN" dirty="0">
-                <a:solidFill>
-                  <a:srgbClr val="000000"/>
-                </a:solidFill>
-                <a:latin typeface="Consolas" panose="020B0609020204030204" pitchFamily="49" charset="0"/>
-              </a:rPr>
-              <a:t>(</a:t>
-            </a:r>
-            <a:r>
-              <a:rPr lang="en-US" altLang="zh-CN" dirty="0">
-                <a:solidFill>
-                  <a:srgbClr val="6A3E3E"/>
-                </a:solidFill>
-                <a:latin typeface="Consolas" panose="020B0609020204030204" pitchFamily="49" charset="0"/>
-              </a:rPr>
-              <a:t>n</a:t>
-            </a:r>
-            <a:r>
-              <a:rPr lang="en-US" altLang="zh-CN" dirty="0">
-                <a:solidFill>
-                  <a:srgbClr val="000000"/>
-                </a:solidFill>
-                <a:latin typeface="Consolas" panose="020B0609020204030204" pitchFamily="49" charset="0"/>
-              </a:rPr>
-              <a:t>);   </a:t>
-            </a:r>
-          </a:p>
-          <a:p>
-            <a:r>
-              <a:rPr lang="en-US" altLang="zh-CN" b="1" dirty="0">
-                <a:solidFill>
-                  <a:srgbClr val="7F0055"/>
-                </a:solidFill>
-                <a:latin typeface="Consolas" panose="020B0609020204030204" pitchFamily="49" charset="0"/>
-              </a:rPr>
-              <a:t>long</a:t>
-            </a:r>
-            <a:r>
-              <a:rPr lang="en-US" altLang="zh-CN" b="1" dirty="0">
-                <a:solidFill>
-                  <a:srgbClr val="000000"/>
-                </a:solidFill>
-                <a:latin typeface="Consolas" panose="020B0609020204030204" pitchFamily="49" charset="0"/>
-              </a:rPr>
-              <a:t> </a:t>
-            </a:r>
-            <a:r>
-              <a:rPr lang="en-US" altLang="zh-CN" b="1" dirty="0" err="1">
-                <a:solidFill>
-                  <a:srgbClr val="6A3E3E"/>
-                </a:solidFill>
-                <a:latin typeface="Consolas" panose="020B0609020204030204" pitchFamily="49" charset="0"/>
-              </a:rPr>
-              <a:t>documentCount</a:t>
-            </a:r>
-            <a:r>
-              <a:rPr lang="en-US" altLang="zh-CN" b="1" dirty="0">
-                <a:solidFill>
-                  <a:srgbClr val="000000"/>
-                </a:solidFill>
-                <a:latin typeface="Consolas" panose="020B0609020204030204" pitchFamily="49" charset="0"/>
-              </a:rPr>
-              <a:t> = </a:t>
-            </a:r>
-            <a:r>
-              <a:rPr lang="en-US" altLang="zh-CN" b="1" dirty="0" err="1">
-                <a:solidFill>
-                  <a:srgbClr val="6A3E3E"/>
-                </a:solidFill>
-                <a:latin typeface="Consolas" panose="020B0609020204030204" pitchFamily="49" charset="0"/>
-              </a:rPr>
-              <a:t>stat</a:t>
-            </a:r>
-            <a:r>
-              <a:rPr lang="en-US" altLang="zh-CN" b="1" dirty="0" err="1">
-                <a:solidFill>
-                  <a:srgbClr val="000000"/>
-                </a:solidFill>
-                <a:latin typeface="Consolas" panose="020B0609020204030204" pitchFamily="49" charset="0"/>
-              </a:rPr>
-              <a:t>.</a:t>
-            </a:r>
-            <a:r>
-              <a:rPr lang="en-US" altLang="zh-CN" b="1" dirty="0" err="1">
-                <a:solidFill>
-                  <a:srgbClr val="0000C0"/>
-                </a:solidFill>
-                <a:latin typeface="Consolas" panose="020B0609020204030204" pitchFamily="49" charset="0"/>
-              </a:rPr>
-              <a:t>documentCount</a:t>
-            </a:r>
-            <a:r>
-              <a:rPr lang="en-US" altLang="zh-CN" b="1" dirty="0">
-                <a:solidFill>
-                  <a:srgbClr val="000000"/>
-                </a:solidFill>
-                <a:latin typeface="Consolas" panose="020B0609020204030204" pitchFamily="49" charset="0"/>
-              </a:rPr>
-              <a:t>;</a:t>
-            </a:r>
-          </a:p>
-          <a:p>
-            <a:r>
-              <a:rPr lang="en-US" altLang="zh-CN" b="1" dirty="0">
-                <a:solidFill>
-                  <a:srgbClr val="7F0055"/>
-                </a:solidFill>
-                <a:latin typeface="Consolas" panose="020B0609020204030204" pitchFamily="49" charset="0"/>
-              </a:rPr>
-              <a:t>long</a:t>
-            </a:r>
-            <a:r>
-              <a:rPr lang="en-US" altLang="zh-CN" b="1" dirty="0">
-                <a:solidFill>
-                  <a:srgbClr val="000000"/>
-                </a:solidFill>
-                <a:latin typeface="Consolas" panose="020B0609020204030204" pitchFamily="49" charset="0"/>
-              </a:rPr>
-              <a:t> </a:t>
-            </a:r>
-            <a:r>
-              <a:rPr lang="en-US" altLang="zh-CN" b="1" dirty="0" err="1">
-                <a:solidFill>
-                  <a:srgbClr val="6A3E3E"/>
-                </a:solidFill>
-                <a:latin typeface="Consolas" panose="020B0609020204030204" pitchFamily="49" charset="0"/>
-              </a:rPr>
-              <a:t>maxLength</a:t>
-            </a:r>
-            <a:r>
-              <a:rPr lang="en-US" altLang="zh-CN" b="1" dirty="0">
-                <a:solidFill>
-                  <a:srgbClr val="000000"/>
-                </a:solidFill>
-                <a:latin typeface="Consolas" panose="020B0609020204030204" pitchFamily="49" charset="0"/>
-              </a:rPr>
-              <a:t> = </a:t>
-            </a:r>
-            <a:r>
-              <a:rPr lang="en-US" altLang="zh-CN" b="1" dirty="0" err="1">
-                <a:solidFill>
-                  <a:srgbClr val="6A3E3E"/>
-                </a:solidFill>
-                <a:latin typeface="Consolas" panose="020B0609020204030204" pitchFamily="49" charset="0"/>
-              </a:rPr>
-              <a:t>stat</a:t>
-            </a:r>
-            <a:r>
-              <a:rPr lang="en-US" altLang="zh-CN" b="1" dirty="0" err="1">
-                <a:solidFill>
-                  <a:srgbClr val="000000"/>
-                </a:solidFill>
-                <a:latin typeface="Consolas" panose="020B0609020204030204" pitchFamily="49" charset="0"/>
-              </a:rPr>
-              <a:t>.</a:t>
-            </a:r>
-            <a:r>
-              <a:rPr lang="en-US" altLang="zh-CN" b="1" dirty="0" err="1">
-                <a:solidFill>
-                  <a:srgbClr val="0000C0"/>
-                </a:solidFill>
-                <a:latin typeface="Consolas" panose="020B0609020204030204" pitchFamily="49" charset="0"/>
-              </a:rPr>
-              <a:t>maxLength</a:t>
-            </a:r>
-            <a:r>
-              <a:rPr lang="en-US" altLang="zh-CN" b="1" dirty="0">
-                <a:solidFill>
-                  <a:srgbClr val="000000"/>
-                </a:solidFill>
-                <a:latin typeface="Consolas" panose="020B0609020204030204" pitchFamily="49" charset="0"/>
-              </a:rPr>
-              <a:t>;</a:t>
-            </a:r>
-          </a:p>
-          <a:p>
-            <a:r>
-              <a:rPr lang="en-US" altLang="zh-CN" b="1" dirty="0">
-                <a:solidFill>
-                  <a:srgbClr val="7F0055"/>
-                </a:solidFill>
-                <a:latin typeface="Consolas" panose="020B0609020204030204" pitchFamily="49" charset="0"/>
-              </a:rPr>
-              <a:t>long</a:t>
-            </a:r>
-            <a:r>
-              <a:rPr lang="en-US" altLang="zh-CN" b="1" dirty="0">
-                <a:solidFill>
-                  <a:srgbClr val="000000"/>
-                </a:solidFill>
-                <a:latin typeface="Consolas" panose="020B0609020204030204" pitchFamily="49" charset="0"/>
-              </a:rPr>
-              <a:t> </a:t>
-            </a:r>
-            <a:r>
-              <a:rPr lang="en-US" altLang="zh-CN" b="1" dirty="0" err="1">
-                <a:solidFill>
-                  <a:srgbClr val="6A3E3E"/>
-                </a:solidFill>
-                <a:latin typeface="Consolas" panose="020B0609020204030204" pitchFamily="49" charset="0"/>
-              </a:rPr>
-              <a:t>minLength</a:t>
-            </a:r>
-            <a:r>
-              <a:rPr lang="en-US" altLang="zh-CN" b="1" dirty="0">
-                <a:solidFill>
-                  <a:srgbClr val="000000"/>
-                </a:solidFill>
-                <a:latin typeface="Consolas" panose="020B0609020204030204" pitchFamily="49" charset="0"/>
-              </a:rPr>
-              <a:t> = </a:t>
-            </a:r>
-            <a:r>
-              <a:rPr lang="en-US" altLang="zh-CN" b="1" dirty="0" err="1">
-                <a:solidFill>
-                  <a:srgbClr val="6A3E3E"/>
-                </a:solidFill>
-                <a:latin typeface="Consolas" panose="020B0609020204030204" pitchFamily="49" charset="0"/>
-              </a:rPr>
-              <a:t>stat</a:t>
-            </a:r>
-            <a:r>
-              <a:rPr lang="en-US" altLang="zh-CN" b="1" dirty="0" err="1">
-                <a:solidFill>
-                  <a:srgbClr val="000000"/>
-                </a:solidFill>
-                <a:latin typeface="Consolas" panose="020B0609020204030204" pitchFamily="49" charset="0"/>
-              </a:rPr>
-              <a:t>.</a:t>
-            </a:r>
-            <a:r>
-              <a:rPr lang="en-US" altLang="zh-CN" b="1" dirty="0" err="1">
-                <a:solidFill>
-                  <a:srgbClr val="0000C0"/>
-                </a:solidFill>
-                <a:latin typeface="Consolas" panose="020B0609020204030204" pitchFamily="49" charset="0"/>
-              </a:rPr>
-              <a:t>minLength</a:t>
-            </a:r>
-            <a:r>
-              <a:rPr lang="en-US" altLang="zh-CN" b="1" dirty="0">
-                <a:solidFill>
-                  <a:srgbClr val="000000"/>
-                </a:solidFill>
-                <a:latin typeface="Consolas" panose="020B0609020204030204" pitchFamily="49" charset="0"/>
-              </a:rPr>
-              <a:t>;</a:t>
-            </a:r>
-          </a:p>
-          <a:p>
-            <a:r>
-              <a:rPr lang="en-US" altLang="zh-CN" b="1" dirty="0">
-                <a:solidFill>
-                  <a:srgbClr val="7F0055"/>
-                </a:solidFill>
-                <a:latin typeface="Consolas" panose="020B0609020204030204" pitchFamily="49" charset="0"/>
-              </a:rPr>
-              <a:t>double</a:t>
-            </a:r>
-            <a:r>
-              <a:rPr lang="en-US" altLang="zh-CN" b="1" dirty="0">
-                <a:solidFill>
-                  <a:srgbClr val="000000"/>
-                </a:solidFill>
-                <a:latin typeface="Consolas" panose="020B0609020204030204" pitchFamily="49" charset="0"/>
-              </a:rPr>
-              <a:t> </a:t>
-            </a:r>
-            <a:r>
-              <a:rPr lang="en-US" altLang="zh-CN" b="1" dirty="0" err="1">
-                <a:solidFill>
-                  <a:srgbClr val="6A3E3E"/>
-                </a:solidFill>
-                <a:latin typeface="Consolas" panose="020B0609020204030204" pitchFamily="49" charset="0"/>
-              </a:rPr>
-              <a:t>avgLength</a:t>
-            </a:r>
-            <a:r>
-              <a:rPr lang="en-US" altLang="zh-CN" b="1" dirty="0">
-                <a:solidFill>
-                  <a:srgbClr val="000000"/>
-                </a:solidFill>
-                <a:latin typeface="Consolas" panose="020B0609020204030204" pitchFamily="49" charset="0"/>
-              </a:rPr>
-              <a:t> = </a:t>
-            </a:r>
-            <a:r>
-              <a:rPr lang="en-US" altLang="zh-CN" b="1" dirty="0" err="1">
-                <a:solidFill>
-                  <a:srgbClr val="6A3E3E"/>
-                </a:solidFill>
-                <a:latin typeface="Consolas" panose="020B0609020204030204" pitchFamily="49" charset="0"/>
-              </a:rPr>
-              <a:t>stat</a:t>
-            </a:r>
-            <a:r>
-              <a:rPr lang="en-US" altLang="zh-CN" b="1" dirty="0" err="1">
-                <a:solidFill>
-                  <a:srgbClr val="000000"/>
-                </a:solidFill>
-                <a:latin typeface="Consolas" panose="020B0609020204030204" pitchFamily="49" charset="0"/>
-              </a:rPr>
-              <a:t>.</a:t>
-            </a:r>
-            <a:r>
-              <a:rPr lang="en-US" altLang="zh-CN" b="1" dirty="0" err="1">
-                <a:solidFill>
-                  <a:srgbClr val="0000C0"/>
-                </a:solidFill>
-                <a:latin typeface="Consolas" panose="020B0609020204030204" pitchFamily="49" charset="0"/>
-              </a:rPr>
-              <a:t>avgLength</a:t>
-            </a:r>
-            <a:r>
-              <a:rPr lang="en-US" altLang="zh-CN" b="1" dirty="0">
-                <a:solidFill>
-                  <a:srgbClr val="000000"/>
-                </a:solidFill>
-                <a:latin typeface="Consolas" panose="020B0609020204030204" pitchFamily="49" charset="0"/>
-              </a:rPr>
-              <a:t>;</a:t>
-            </a:r>
-          </a:p>
-          <a:p>
-            <a:endParaRPr lang="en-US" altLang="zh-CN" b="1" dirty="0">
-              <a:solidFill>
-                <a:srgbClr val="000000"/>
-              </a:solidFill>
-              <a:latin typeface="Consolas" panose="020B0609020204030204" pitchFamily="49" charset="0"/>
-            </a:endParaRPr>
-          </a:p>
-        </p:txBody>
-      </p:sp>
-      <p:sp>
-        <p:nvSpPr>
-          <p:cNvPr id="7" name="矩形 6">
-            <a:extLst>
-              <a:ext uri="{FF2B5EF4-FFF2-40B4-BE49-F238E27FC236}">
-                <a16:creationId xmlns:a16="http://schemas.microsoft.com/office/drawing/2014/main" id="{D58BA23C-3009-49E3-88F8-DCF9BFD22905}"/>
-              </a:ext>
-            </a:extLst>
-          </p:cNvPr>
-          <p:cNvSpPr/>
-          <p:nvPr/>
-        </p:nvSpPr>
-        <p:spPr>
-          <a:xfrm>
-            <a:off x="810829" y="1300124"/>
-            <a:ext cx="3983783" cy="369332"/>
-          </a:xfrm>
-          <a:prstGeom prst="rect">
-            <a:avLst/>
-          </a:prstGeom>
-        </p:spPr>
-        <p:txBody>
-          <a:bodyPr wrap="none">
-            <a:spAutoFit/>
-          </a:bodyPr>
-          <a:lstStyle/>
-          <a:p>
-            <a:r>
-              <a:rPr lang="en-US" altLang="zh-CN">
-                <a:solidFill>
-                  <a:srgbClr val="3F7F5F"/>
-                </a:solidFill>
-                <a:latin typeface="Consolas" panose="020B0609020204030204" pitchFamily="49" charset="0"/>
-              </a:rPr>
-              <a:t>Extracting Document Statistics</a:t>
-            </a:r>
-            <a:endParaRPr lang="zh-CN" altLang="en-US" dirty="0"/>
-          </a:p>
-        </p:txBody>
-      </p:sp>
-    </p:spTree>
-    <p:extLst>
-      <p:ext uri="{BB962C8B-B14F-4D97-AF65-F5344CB8AC3E}">
-        <p14:creationId xmlns:p14="http://schemas.microsoft.com/office/powerpoint/2010/main" val="310256109"/>
-      </p:ext>
-    </p:extLst>
-  </p:cSld>
-  <p:clrMapOvr>
-    <a:masterClrMapping/>
-  </p:clrMapOvr>
-</p:sld>
-</file>
-
-<file path=ppt/slides/slide7.xml><?xml version="1.0" encoding="utf-8"?>
-<p:sld xmlns:a="http://schemas.openxmlformats.org/drawingml/2006/main" xmlns:r="http://schemas.openxmlformats.org/officeDocument/2006/relationships" xmlns:p="http://schemas.openxmlformats.org/presentationml/2006/main">
-  <p:cSld>
-    <p:spTree>
-      <p:nvGrpSpPr>
-        <p:cNvPr id="1" name=""/>
-        <p:cNvGrpSpPr/>
-        <p:nvPr/>
-      </p:nvGrpSpPr>
-      <p:grpSpPr>
-        <a:xfrm>
-          <a:off x="0" y="0"/>
-          <a:ext cx="0" cy="0"/>
-          <a:chOff x="0" y="0"/>
-          <a:chExt cx="0" cy="0"/>
-        </a:xfrm>
-      </p:grpSpPr>
-      <p:sp>
-        <p:nvSpPr>
-          <p:cNvPr id="2" name="矩形 1">
-            <a:extLst>
-              <a:ext uri="{FF2B5EF4-FFF2-40B4-BE49-F238E27FC236}">
-                <a16:creationId xmlns:a16="http://schemas.microsoft.com/office/drawing/2014/main" id="{BCCECC9B-42A5-4A37-83FA-14B60D49B21A}"/>
-              </a:ext>
-            </a:extLst>
-          </p:cNvPr>
-          <p:cNvSpPr/>
-          <p:nvPr/>
-        </p:nvSpPr>
-        <p:spPr>
-          <a:xfrm>
-            <a:off x="666557" y="2299705"/>
-            <a:ext cx="4446981" cy="1477328"/>
-          </a:xfrm>
-          <a:prstGeom prst="rect">
-            <a:avLst/>
-          </a:prstGeom>
-          <a:ln>
-            <a:solidFill>
-              <a:schemeClr val="tx1"/>
-            </a:solidFill>
-          </a:ln>
-        </p:spPr>
-        <p:txBody>
-          <a:bodyPr wrap="square">
-            <a:spAutoFit/>
-          </a:bodyPr>
-          <a:lstStyle/>
-          <a:p>
-            <a:pPr marL="285750" indent="-285750">
-              <a:buFont typeface="Arial" panose="020B0604020202020204" pitchFamily="34" charset="0"/>
-              <a:buChar char="•"/>
-            </a:pPr>
-            <a:r>
-              <a:rPr lang="en-US" altLang="zh-CN" dirty="0">
-                <a:solidFill>
-                  <a:srgbClr val="3F7F5F"/>
-                </a:solidFill>
-                <a:latin typeface="Consolas" panose="020B0609020204030204" pitchFamily="49" charset="0"/>
-              </a:rPr>
-              <a:t>Extracting term Statistics (“</a:t>
-            </a:r>
-            <a:r>
-              <a:rPr lang="en-US" altLang="zh-CN" dirty="0">
-                <a:solidFill>
-                  <a:srgbClr val="2A00FF"/>
-                </a:solidFill>
-                <a:latin typeface="Consolas" panose="020B0609020204030204" pitchFamily="49" charset="0"/>
-              </a:rPr>
-              <a:t>covid</a:t>
-            </a:r>
-            <a:r>
-              <a:rPr lang="en-US" altLang="zh-CN" dirty="0">
-                <a:solidFill>
-                  <a:srgbClr val="3F7F5F"/>
-                </a:solidFill>
-                <a:latin typeface="Consolas" panose="020B0609020204030204" pitchFamily="49" charset="0"/>
-              </a:rPr>
-              <a:t>”)</a:t>
-            </a:r>
-          </a:p>
-          <a:p>
-            <a:pPr marL="742950" lvl="1" indent="-285750">
-              <a:buFont typeface="Arial" panose="020B0604020202020204" pitchFamily="34" charset="0"/>
-              <a:buChar char="•"/>
-            </a:pPr>
-            <a:r>
-              <a:rPr lang="en-US" altLang="zh-CN" dirty="0"/>
-              <a:t>Maximal term count </a:t>
-            </a:r>
-          </a:p>
-          <a:p>
-            <a:pPr marL="742950" lvl="1" indent="-285750">
-              <a:buFont typeface="Arial" panose="020B0604020202020204" pitchFamily="34" charset="0"/>
-              <a:buChar char="•"/>
-            </a:pPr>
-            <a:r>
-              <a:rPr lang="en-US" altLang="zh-CN" dirty="0"/>
-              <a:t>number of document contain “</a:t>
-            </a:r>
-            <a:r>
-              <a:rPr lang="en-US" altLang="zh-CN" dirty="0">
-                <a:solidFill>
-                  <a:srgbClr val="2A00FF"/>
-                </a:solidFill>
-                <a:latin typeface="Consolas" panose="020B0609020204030204" pitchFamily="49" charset="0"/>
-              </a:rPr>
-              <a:t>covid</a:t>
-            </a:r>
-            <a:r>
-              <a:rPr lang="en-US" altLang="zh-CN" dirty="0"/>
-              <a:t>”</a:t>
-            </a:r>
-          </a:p>
-          <a:p>
-            <a:pPr marL="742950" lvl="1" indent="-285750">
-              <a:buFont typeface="Arial" panose="020B0604020202020204" pitchFamily="34" charset="0"/>
-              <a:buChar char="•"/>
-            </a:pPr>
-            <a:r>
-              <a:rPr lang="en-US" altLang="zh-CN" dirty="0"/>
-              <a:t>Term frequency in all documents</a:t>
-            </a:r>
-            <a:endParaRPr lang="zh-CN" altLang="en-US" dirty="0"/>
-          </a:p>
-        </p:txBody>
-      </p:sp>
-      <p:sp>
-        <p:nvSpPr>
-          <p:cNvPr id="7" name="矩形 6">
-            <a:extLst>
-              <a:ext uri="{FF2B5EF4-FFF2-40B4-BE49-F238E27FC236}">
-                <a16:creationId xmlns:a16="http://schemas.microsoft.com/office/drawing/2014/main" id="{D58BA23C-3009-49E3-88F8-DCF9BFD22905}"/>
-              </a:ext>
-            </a:extLst>
-          </p:cNvPr>
-          <p:cNvSpPr/>
-          <p:nvPr/>
-        </p:nvSpPr>
-        <p:spPr>
-          <a:xfrm>
-            <a:off x="810829" y="1300124"/>
-            <a:ext cx="3477234" cy="369332"/>
-          </a:xfrm>
-          <a:prstGeom prst="rect">
-            <a:avLst/>
-          </a:prstGeom>
-        </p:spPr>
-        <p:txBody>
-          <a:bodyPr wrap="none">
-            <a:spAutoFit/>
-          </a:bodyPr>
-          <a:lstStyle/>
-          <a:p>
-            <a:r>
-              <a:rPr lang="en-US" altLang="zh-CN" dirty="0">
-                <a:solidFill>
-                  <a:srgbClr val="3F7F5F"/>
-                </a:solidFill>
-                <a:latin typeface="Consolas" panose="020B0609020204030204" pitchFamily="49" charset="0"/>
-              </a:rPr>
-              <a:t>Extracting term Statistics</a:t>
-            </a:r>
-            <a:endParaRPr lang="zh-CN" altLang="en-US" dirty="0"/>
-          </a:p>
-        </p:txBody>
-      </p:sp>
-      <p:sp>
-        <p:nvSpPr>
-          <p:cNvPr id="3" name="矩形 2">
-            <a:extLst>
-              <a:ext uri="{FF2B5EF4-FFF2-40B4-BE49-F238E27FC236}">
-                <a16:creationId xmlns:a16="http://schemas.microsoft.com/office/drawing/2014/main" id="{AE2C2E43-EE1D-4BA9-9B54-4910E43E2890}"/>
-              </a:ext>
-            </a:extLst>
-          </p:cNvPr>
-          <p:cNvSpPr/>
-          <p:nvPr/>
-        </p:nvSpPr>
-        <p:spPr>
-          <a:xfrm>
-            <a:off x="5613647" y="1832719"/>
-            <a:ext cx="6096000" cy="4247317"/>
-          </a:xfrm>
-          <a:prstGeom prst="rect">
-            <a:avLst/>
-          </a:prstGeom>
-          <a:ln>
-            <a:solidFill>
-              <a:schemeClr val="tx1"/>
-            </a:solidFill>
-          </a:ln>
-        </p:spPr>
-        <p:txBody>
-          <a:bodyPr>
-            <a:spAutoFit/>
-          </a:bodyPr>
-          <a:lstStyle/>
-          <a:p>
-            <a:r>
-              <a:rPr lang="en-US" altLang="zh-CN" dirty="0">
-                <a:solidFill>
-                  <a:srgbClr val="000000"/>
-                </a:solidFill>
-                <a:latin typeface="Consolas" panose="020B0609020204030204" pitchFamily="49" charset="0"/>
-              </a:rPr>
-              <a:t>String </a:t>
-            </a:r>
-            <a:r>
-              <a:rPr lang="en-US" altLang="zh-CN" dirty="0">
-                <a:solidFill>
-                  <a:srgbClr val="6A3E3E"/>
-                </a:solidFill>
-                <a:latin typeface="Consolas" panose="020B0609020204030204" pitchFamily="49" charset="0"/>
-              </a:rPr>
-              <a:t>query</a:t>
-            </a:r>
-            <a:r>
-              <a:rPr lang="en-US" altLang="zh-CN" dirty="0">
-                <a:solidFill>
-                  <a:srgbClr val="000000"/>
-                </a:solidFill>
-                <a:latin typeface="Consolas" panose="020B0609020204030204" pitchFamily="49" charset="0"/>
-              </a:rPr>
-              <a:t> = </a:t>
-            </a:r>
-            <a:r>
-              <a:rPr lang="en-US" altLang="zh-CN" dirty="0">
-                <a:solidFill>
-                  <a:srgbClr val="2A00FF"/>
-                </a:solidFill>
-                <a:latin typeface="Consolas" panose="020B0609020204030204" pitchFamily="49" charset="0"/>
-              </a:rPr>
-              <a:t>“covid"</a:t>
-            </a:r>
-            <a:r>
-              <a:rPr lang="en-US" altLang="zh-CN" dirty="0">
-                <a:solidFill>
-                  <a:srgbClr val="000000"/>
-                </a:solidFill>
-                <a:latin typeface="Consolas" panose="020B0609020204030204" pitchFamily="49" charset="0"/>
-              </a:rPr>
-              <a:t>;</a:t>
-            </a:r>
-          </a:p>
-          <a:p>
-            <a:r>
-              <a:rPr lang="en-US" altLang="zh-CN" dirty="0">
-                <a:solidFill>
-                  <a:srgbClr val="000000"/>
-                </a:solidFill>
-                <a:latin typeface="Consolas" panose="020B0609020204030204" pitchFamily="49" charset="0"/>
-              </a:rPr>
-              <a:t>String </a:t>
-            </a:r>
-            <a:r>
-              <a:rPr lang="en-US" altLang="zh-CN" dirty="0">
-                <a:solidFill>
-                  <a:srgbClr val="6A3E3E"/>
-                </a:solidFill>
-                <a:latin typeface="Consolas" panose="020B0609020204030204" pitchFamily="49" charset="0"/>
-              </a:rPr>
-              <a:t>field</a:t>
-            </a:r>
-            <a:r>
-              <a:rPr lang="en-US" altLang="zh-CN" dirty="0">
-                <a:solidFill>
-                  <a:srgbClr val="000000"/>
-                </a:solidFill>
-                <a:latin typeface="Consolas" panose="020B0609020204030204" pitchFamily="49" charset="0"/>
-              </a:rPr>
-              <a:t> = </a:t>
-            </a:r>
-            <a:r>
-              <a:rPr lang="en-US" altLang="zh-CN" dirty="0">
-                <a:solidFill>
-                  <a:srgbClr val="2A00FF"/>
-                </a:solidFill>
-                <a:latin typeface="Consolas" panose="020B0609020204030204" pitchFamily="49" charset="0"/>
-              </a:rPr>
-              <a:t>“text"</a:t>
-            </a:r>
-            <a:r>
-              <a:rPr lang="en-US" altLang="zh-CN" dirty="0">
-                <a:solidFill>
-                  <a:srgbClr val="000000"/>
-                </a:solidFill>
-                <a:latin typeface="Consolas" panose="020B0609020204030204" pitchFamily="49" charset="0"/>
-              </a:rPr>
-              <a:t>;</a:t>
-            </a:r>
-          </a:p>
-          <a:p>
-            <a:r>
-              <a:rPr lang="en-US" altLang="zh-CN" dirty="0">
-                <a:solidFill>
-                  <a:srgbClr val="000000"/>
-                </a:solidFill>
-                <a:latin typeface="Consolas" panose="020B0609020204030204" pitchFamily="49" charset="0"/>
-              </a:rPr>
-              <a:t>Node </a:t>
-            </a:r>
-            <a:r>
-              <a:rPr lang="en-US" altLang="zh-CN" dirty="0" err="1">
-                <a:solidFill>
-                  <a:srgbClr val="6A3E3E"/>
-                </a:solidFill>
-                <a:latin typeface="Consolas" panose="020B0609020204030204" pitchFamily="49" charset="0"/>
-              </a:rPr>
-              <a:t>node</a:t>
-            </a:r>
-            <a:r>
-              <a:rPr lang="en-US" altLang="zh-CN" dirty="0">
-                <a:solidFill>
-                  <a:srgbClr val="000000"/>
-                </a:solidFill>
-                <a:latin typeface="Consolas" panose="020B0609020204030204" pitchFamily="49" charset="0"/>
-              </a:rPr>
-              <a:t> = </a:t>
-            </a:r>
-            <a:r>
-              <a:rPr lang="en-US" altLang="zh-CN" dirty="0" err="1">
-                <a:solidFill>
-                  <a:srgbClr val="000000"/>
-                </a:solidFill>
-                <a:latin typeface="Consolas" panose="020B0609020204030204" pitchFamily="49" charset="0"/>
-              </a:rPr>
-              <a:t>StructuredQuery.</a:t>
-            </a:r>
-            <a:r>
-              <a:rPr lang="en-US" altLang="zh-CN" i="1" dirty="0" err="1">
-                <a:solidFill>
-                  <a:srgbClr val="000000"/>
-                </a:solidFill>
-                <a:latin typeface="Consolas" panose="020B0609020204030204" pitchFamily="49" charset="0"/>
-              </a:rPr>
-              <a:t>parse</a:t>
-            </a:r>
-            <a:r>
-              <a:rPr lang="en-US" altLang="zh-CN" i="1" dirty="0">
-                <a:solidFill>
-                  <a:srgbClr val="000000"/>
-                </a:solidFill>
-                <a:latin typeface="Consolas" panose="020B0609020204030204" pitchFamily="49" charset="0"/>
-              </a:rPr>
-              <a:t>( </a:t>
-            </a:r>
-            <a:r>
-              <a:rPr lang="en-US" altLang="zh-CN" i="1" dirty="0">
-                <a:solidFill>
-                  <a:srgbClr val="2A00FF"/>
-                </a:solidFill>
-                <a:latin typeface="Consolas" panose="020B0609020204030204" pitchFamily="49" charset="0"/>
-              </a:rPr>
-              <a:t>"#text:"</a:t>
-            </a:r>
-            <a:r>
-              <a:rPr lang="en-US" altLang="zh-CN" i="1" dirty="0">
-                <a:solidFill>
-                  <a:srgbClr val="000000"/>
-                </a:solidFill>
-                <a:latin typeface="Consolas" panose="020B0609020204030204" pitchFamily="49" charset="0"/>
-              </a:rPr>
-              <a:t> + </a:t>
-            </a:r>
-            <a:r>
-              <a:rPr lang="en-US" altLang="zh-CN" i="1" dirty="0">
-                <a:solidFill>
-                  <a:srgbClr val="6A3E3E"/>
-                </a:solidFill>
-                <a:latin typeface="Consolas" panose="020B0609020204030204" pitchFamily="49" charset="0"/>
-              </a:rPr>
-              <a:t>query</a:t>
-            </a:r>
-            <a:r>
-              <a:rPr lang="en-US" altLang="zh-CN" i="1" dirty="0">
-                <a:solidFill>
-                  <a:srgbClr val="000000"/>
-                </a:solidFill>
-                <a:latin typeface="Consolas" panose="020B0609020204030204" pitchFamily="49" charset="0"/>
-              </a:rPr>
-              <a:t> + </a:t>
-            </a:r>
-            <a:r>
-              <a:rPr lang="en-US" altLang="zh-CN" i="1" dirty="0">
-                <a:solidFill>
-                  <a:srgbClr val="2A00FF"/>
-                </a:solidFill>
-                <a:latin typeface="Consolas" panose="020B0609020204030204" pitchFamily="49" charset="0"/>
-              </a:rPr>
-              <a:t>":part=field."</a:t>
-            </a:r>
-            <a:r>
-              <a:rPr lang="en-US" altLang="zh-CN" i="1" dirty="0">
-                <a:solidFill>
-                  <a:srgbClr val="000000"/>
-                </a:solidFill>
-                <a:latin typeface="Consolas" panose="020B0609020204030204" pitchFamily="49" charset="0"/>
-              </a:rPr>
-              <a:t> + </a:t>
-            </a:r>
-            <a:r>
-              <a:rPr lang="en-US" altLang="zh-CN" i="1" dirty="0">
-                <a:solidFill>
-                  <a:srgbClr val="6A3E3E"/>
-                </a:solidFill>
-                <a:latin typeface="Consolas" panose="020B0609020204030204" pitchFamily="49" charset="0"/>
-              </a:rPr>
-              <a:t>field</a:t>
-            </a:r>
-            <a:r>
-              <a:rPr lang="en-US" altLang="zh-CN" i="1" dirty="0">
-                <a:solidFill>
-                  <a:srgbClr val="000000"/>
-                </a:solidFill>
-                <a:latin typeface="Consolas" panose="020B0609020204030204" pitchFamily="49" charset="0"/>
-              </a:rPr>
-              <a:t> + </a:t>
-            </a:r>
-            <a:r>
-              <a:rPr lang="en-US" altLang="zh-CN" i="1" dirty="0">
-                <a:solidFill>
-                  <a:srgbClr val="2A00FF"/>
-                </a:solidFill>
-                <a:latin typeface="Consolas" panose="020B0609020204030204" pitchFamily="49" charset="0"/>
-              </a:rPr>
-              <a:t>"()"</a:t>
-            </a:r>
-            <a:r>
-              <a:rPr lang="en-US" altLang="zh-CN" i="1" dirty="0">
-                <a:solidFill>
-                  <a:srgbClr val="000000"/>
-                </a:solidFill>
-                <a:latin typeface="Consolas" panose="020B0609020204030204" pitchFamily="49" charset="0"/>
-              </a:rPr>
-              <a:t> );</a:t>
-            </a:r>
-          </a:p>
-          <a:p>
-            <a:endParaRPr lang="en-US" altLang="zh-CN" i="1" dirty="0">
-              <a:solidFill>
-                <a:srgbClr val="000000"/>
-              </a:solidFill>
-              <a:latin typeface="Consolas" panose="020B0609020204030204" pitchFamily="49" charset="0"/>
-            </a:endParaRPr>
-          </a:p>
-          <a:p>
-            <a:r>
-              <a:rPr lang="en-US" altLang="zh-CN" dirty="0" err="1">
-                <a:solidFill>
-                  <a:srgbClr val="6A3E3E"/>
-                </a:solidFill>
-                <a:latin typeface="Consolas" panose="020B0609020204030204" pitchFamily="49" charset="0"/>
-              </a:rPr>
-              <a:t>node</a:t>
-            </a:r>
-            <a:r>
-              <a:rPr lang="en-US" altLang="zh-CN" dirty="0" err="1">
-                <a:solidFill>
-                  <a:srgbClr val="000000"/>
-                </a:solidFill>
-                <a:latin typeface="Consolas" panose="020B0609020204030204" pitchFamily="49" charset="0"/>
-              </a:rPr>
-              <a:t>.getNodeParameters</a:t>
-            </a:r>
-            <a:r>
-              <a:rPr lang="en-US" altLang="zh-CN" dirty="0">
-                <a:solidFill>
-                  <a:srgbClr val="000000"/>
-                </a:solidFill>
-                <a:latin typeface="Consolas" panose="020B0609020204030204" pitchFamily="49" charset="0"/>
-              </a:rPr>
-              <a:t>().set(</a:t>
-            </a:r>
-            <a:r>
-              <a:rPr lang="en-US" altLang="zh-CN" dirty="0">
-                <a:solidFill>
-                  <a:srgbClr val="2A00FF"/>
-                </a:solidFill>
-                <a:latin typeface="Consolas" panose="020B0609020204030204" pitchFamily="49" charset="0"/>
-              </a:rPr>
-              <a:t>"</a:t>
-            </a:r>
-            <a:r>
-              <a:rPr lang="en-US" altLang="zh-CN" dirty="0" err="1">
-                <a:solidFill>
-                  <a:srgbClr val="2A00FF"/>
-                </a:solidFill>
-                <a:latin typeface="Consolas" panose="020B0609020204030204" pitchFamily="49" charset="0"/>
-              </a:rPr>
-              <a:t>queryType</a:t>
-            </a:r>
-            <a:r>
-              <a:rPr lang="en-US" altLang="zh-CN" dirty="0">
-                <a:solidFill>
-                  <a:srgbClr val="2A00FF"/>
-                </a:solidFill>
-                <a:latin typeface="Consolas" panose="020B0609020204030204" pitchFamily="49" charset="0"/>
-              </a:rPr>
-              <a:t>"</a:t>
-            </a:r>
-            <a:r>
-              <a:rPr lang="en-US" altLang="zh-CN" dirty="0">
-                <a:solidFill>
-                  <a:srgbClr val="000000"/>
-                </a:solidFill>
-                <a:latin typeface="Consolas" panose="020B0609020204030204" pitchFamily="49" charset="0"/>
-              </a:rPr>
-              <a:t>, </a:t>
-            </a:r>
-            <a:r>
-              <a:rPr lang="en-US" altLang="zh-CN" dirty="0">
-                <a:solidFill>
-                  <a:srgbClr val="2A00FF"/>
-                </a:solidFill>
-                <a:latin typeface="Consolas" panose="020B0609020204030204" pitchFamily="49" charset="0"/>
-              </a:rPr>
-              <a:t>"count"</a:t>
-            </a:r>
-            <a:r>
-              <a:rPr lang="en-US" altLang="zh-CN" dirty="0">
-                <a:solidFill>
-                  <a:srgbClr val="000000"/>
-                </a:solidFill>
-                <a:latin typeface="Consolas" panose="020B0609020204030204" pitchFamily="49" charset="0"/>
-              </a:rPr>
-              <a:t>);</a:t>
-            </a:r>
-          </a:p>
-          <a:p>
-            <a:endParaRPr lang="en-US" altLang="zh-CN" dirty="0">
-              <a:solidFill>
-                <a:srgbClr val="000000"/>
-              </a:solidFill>
-              <a:latin typeface="Consolas" panose="020B0609020204030204" pitchFamily="49" charset="0"/>
-            </a:endParaRPr>
-          </a:p>
-          <a:p>
-            <a:r>
-              <a:rPr lang="en-US" altLang="zh-CN" dirty="0">
-                <a:solidFill>
-                  <a:srgbClr val="6A3E3E"/>
-                </a:solidFill>
-                <a:latin typeface="Consolas" panose="020B0609020204030204" pitchFamily="49" charset="0"/>
-              </a:rPr>
-              <a:t>node</a:t>
-            </a:r>
-            <a:r>
-              <a:rPr lang="en-US" altLang="zh-CN" dirty="0">
-                <a:solidFill>
-                  <a:srgbClr val="000000"/>
-                </a:solidFill>
-                <a:latin typeface="Consolas" panose="020B0609020204030204" pitchFamily="49" charset="0"/>
-              </a:rPr>
-              <a:t> = </a:t>
-            </a:r>
-            <a:r>
-              <a:rPr lang="en-US" altLang="zh-CN" dirty="0" err="1">
-                <a:solidFill>
-                  <a:srgbClr val="6A3E3E"/>
-                </a:solidFill>
-                <a:latin typeface="Consolas" panose="020B0609020204030204" pitchFamily="49" charset="0"/>
-              </a:rPr>
-              <a:t>retrieval</a:t>
-            </a:r>
-            <a:r>
-              <a:rPr lang="en-US" altLang="zh-CN" dirty="0" err="1">
-                <a:solidFill>
-                  <a:srgbClr val="000000"/>
-                </a:solidFill>
-                <a:latin typeface="Consolas" panose="020B0609020204030204" pitchFamily="49" charset="0"/>
-              </a:rPr>
-              <a:t>.transformQuery</a:t>
-            </a:r>
-            <a:r>
-              <a:rPr lang="en-US" altLang="zh-CN" dirty="0">
-                <a:solidFill>
-                  <a:srgbClr val="000000"/>
-                </a:solidFill>
-                <a:latin typeface="Consolas" panose="020B0609020204030204" pitchFamily="49" charset="0"/>
-              </a:rPr>
-              <a:t>(</a:t>
-            </a:r>
-            <a:r>
-              <a:rPr lang="en-US" altLang="zh-CN" dirty="0">
-                <a:solidFill>
-                  <a:srgbClr val="6A3E3E"/>
-                </a:solidFill>
-                <a:latin typeface="Consolas" panose="020B0609020204030204" pitchFamily="49" charset="0"/>
-              </a:rPr>
-              <a:t>node</a:t>
-            </a:r>
-            <a:r>
-              <a:rPr lang="en-US" altLang="zh-CN" dirty="0">
-                <a:solidFill>
-                  <a:srgbClr val="000000"/>
-                </a:solidFill>
-                <a:latin typeface="Consolas" panose="020B0609020204030204" pitchFamily="49" charset="0"/>
-              </a:rPr>
-              <a:t>, </a:t>
-            </a:r>
-            <a:r>
-              <a:rPr lang="en-US" altLang="zh-CN" dirty="0" err="1">
-                <a:solidFill>
-                  <a:srgbClr val="000000"/>
-                </a:solidFill>
-                <a:latin typeface="Consolas" panose="020B0609020204030204" pitchFamily="49" charset="0"/>
-              </a:rPr>
-              <a:t>Parameters.</a:t>
-            </a:r>
-            <a:r>
-              <a:rPr lang="en-US" altLang="zh-CN" i="1" dirty="0" err="1">
-                <a:solidFill>
-                  <a:srgbClr val="000000"/>
-                </a:solidFill>
-                <a:latin typeface="Consolas" panose="020B0609020204030204" pitchFamily="49" charset="0"/>
-              </a:rPr>
-              <a:t>create</a:t>
-            </a:r>
-            <a:r>
-              <a:rPr lang="en-US" altLang="zh-CN" i="1" dirty="0">
-                <a:solidFill>
-                  <a:srgbClr val="000000"/>
-                </a:solidFill>
-                <a:latin typeface="Consolas" panose="020B0609020204030204" pitchFamily="49" charset="0"/>
-              </a:rPr>
-              <a:t>());</a:t>
-            </a:r>
-          </a:p>
-          <a:p>
-            <a:r>
-              <a:rPr lang="en-US" altLang="zh-CN" dirty="0" err="1">
-                <a:solidFill>
-                  <a:srgbClr val="000000"/>
-                </a:solidFill>
-                <a:latin typeface="Consolas" panose="020B0609020204030204" pitchFamily="49" charset="0"/>
-              </a:rPr>
-              <a:t>NodeStatistics</a:t>
-            </a:r>
-            <a:r>
-              <a:rPr lang="en-US" altLang="zh-CN" dirty="0">
-                <a:solidFill>
-                  <a:srgbClr val="000000"/>
-                </a:solidFill>
-                <a:latin typeface="Consolas" panose="020B0609020204030204" pitchFamily="49" charset="0"/>
-              </a:rPr>
-              <a:t> </a:t>
-            </a:r>
-            <a:r>
-              <a:rPr lang="en-US" altLang="zh-CN" dirty="0" err="1">
-                <a:solidFill>
-                  <a:srgbClr val="6A3E3E"/>
-                </a:solidFill>
-                <a:latin typeface="Consolas" panose="020B0609020204030204" pitchFamily="49" charset="0"/>
-              </a:rPr>
-              <a:t>stat_node</a:t>
-            </a:r>
-            <a:r>
-              <a:rPr lang="en-US" altLang="zh-CN" dirty="0">
-                <a:solidFill>
-                  <a:srgbClr val="000000"/>
-                </a:solidFill>
-                <a:latin typeface="Consolas" panose="020B0609020204030204" pitchFamily="49" charset="0"/>
-              </a:rPr>
-              <a:t> = </a:t>
-            </a:r>
-            <a:r>
-              <a:rPr lang="en-US" altLang="zh-CN" dirty="0" err="1">
-                <a:solidFill>
-                  <a:srgbClr val="6A3E3E"/>
-                </a:solidFill>
-                <a:latin typeface="Consolas" panose="020B0609020204030204" pitchFamily="49" charset="0"/>
-              </a:rPr>
-              <a:t>retrieval</a:t>
-            </a:r>
-            <a:r>
-              <a:rPr lang="en-US" altLang="zh-CN" dirty="0" err="1">
-                <a:solidFill>
-                  <a:srgbClr val="000000"/>
-                </a:solidFill>
-                <a:latin typeface="Consolas" panose="020B0609020204030204" pitchFamily="49" charset="0"/>
-              </a:rPr>
-              <a:t>.getNodeStatistics</a:t>
-            </a:r>
-            <a:r>
-              <a:rPr lang="en-US" altLang="zh-CN" dirty="0">
-                <a:solidFill>
-                  <a:srgbClr val="000000"/>
-                </a:solidFill>
-                <a:latin typeface="Consolas" panose="020B0609020204030204" pitchFamily="49" charset="0"/>
-              </a:rPr>
-              <a:t>(</a:t>
-            </a:r>
-            <a:r>
-              <a:rPr lang="en-US" altLang="zh-CN" dirty="0">
-                <a:solidFill>
-                  <a:srgbClr val="6A3E3E"/>
-                </a:solidFill>
-                <a:latin typeface="Consolas" panose="020B0609020204030204" pitchFamily="49" charset="0"/>
-              </a:rPr>
-              <a:t>node</a:t>
-            </a:r>
-            <a:r>
-              <a:rPr lang="en-US" altLang="zh-CN" dirty="0">
-                <a:solidFill>
-                  <a:srgbClr val="000000"/>
-                </a:solidFill>
-                <a:latin typeface="Consolas" panose="020B0609020204030204" pitchFamily="49" charset="0"/>
-              </a:rPr>
-              <a:t>);</a:t>
-            </a:r>
-          </a:p>
-          <a:p>
-            <a:r>
-              <a:rPr lang="en-US" altLang="zh-CN" b="1" dirty="0">
-                <a:solidFill>
-                  <a:srgbClr val="7F0055"/>
-                </a:solidFill>
-                <a:latin typeface="Consolas" panose="020B0609020204030204" pitchFamily="49" charset="0"/>
-              </a:rPr>
-              <a:t>long</a:t>
-            </a:r>
-            <a:r>
-              <a:rPr lang="en-US" altLang="zh-CN" b="1" dirty="0">
-                <a:solidFill>
-                  <a:srgbClr val="000000"/>
-                </a:solidFill>
-                <a:latin typeface="Consolas" panose="020B0609020204030204" pitchFamily="49" charset="0"/>
-              </a:rPr>
-              <a:t> </a:t>
-            </a:r>
-            <a:r>
-              <a:rPr lang="en-US" altLang="zh-CN" b="1" dirty="0" err="1">
-                <a:solidFill>
-                  <a:srgbClr val="6A3E3E"/>
-                </a:solidFill>
-                <a:latin typeface="Consolas" panose="020B0609020204030204" pitchFamily="49" charset="0"/>
-              </a:rPr>
-              <a:t>maxCount</a:t>
-            </a:r>
-            <a:r>
-              <a:rPr lang="en-US" altLang="zh-CN" b="1" dirty="0">
-                <a:solidFill>
-                  <a:srgbClr val="000000"/>
-                </a:solidFill>
-                <a:latin typeface="Consolas" panose="020B0609020204030204" pitchFamily="49" charset="0"/>
-              </a:rPr>
-              <a:t> = </a:t>
-            </a:r>
-            <a:r>
-              <a:rPr lang="en-US" altLang="zh-CN" b="1" dirty="0" err="1">
-                <a:solidFill>
-                  <a:srgbClr val="6A3E3E"/>
-                </a:solidFill>
-                <a:latin typeface="Consolas" panose="020B0609020204030204" pitchFamily="49" charset="0"/>
-              </a:rPr>
-              <a:t>stat_node</a:t>
-            </a:r>
-            <a:r>
-              <a:rPr lang="en-US" altLang="zh-CN" b="1" dirty="0" err="1">
-                <a:solidFill>
-                  <a:srgbClr val="000000"/>
-                </a:solidFill>
-                <a:latin typeface="Consolas" panose="020B0609020204030204" pitchFamily="49" charset="0"/>
-              </a:rPr>
-              <a:t>.</a:t>
-            </a:r>
-            <a:r>
-              <a:rPr lang="en-US" altLang="zh-CN" b="1" dirty="0" err="1">
-                <a:solidFill>
-                  <a:srgbClr val="0000C0"/>
-                </a:solidFill>
-                <a:latin typeface="Consolas" panose="020B0609020204030204" pitchFamily="49" charset="0"/>
-              </a:rPr>
-              <a:t>maximumCount</a:t>
-            </a:r>
-            <a:r>
-              <a:rPr lang="en-US" altLang="zh-CN" b="1" dirty="0">
-                <a:solidFill>
-                  <a:srgbClr val="000000"/>
-                </a:solidFill>
-                <a:latin typeface="Consolas" panose="020B0609020204030204" pitchFamily="49" charset="0"/>
-              </a:rPr>
-              <a:t>;</a:t>
-            </a:r>
-          </a:p>
-          <a:p>
-            <a:r>
-              <a:rPr lang="en-US" altLang="zh-CN" b="1" dirty="0">
-                <a:solidFill>
-                  <a:srgbClr val="7F0055"/>
-                </a:solidFill>
-                <a:latin typeface="Consolas" panose="020B0609020204030204" pitchFamily="49" charset="0"/>
-              </a:rPr>
-              <a:t>long</a:t>
-            </a:r>
-            <a:r>
-              <a:rPr lang="en-US" altLang="zh-CN" b="1" dirty="0">
-                <a:solidFill>
-                  <a:srgbClr val="000000"/>
-                </a:solidFill>
-                <a:latin typeface="Consolas" panose="020B0609020204030204" pitchFamily="49" charset="0"/>
-              </a:rPr>
-              <a:t> </a:t>
-            </a:r>
-            <a:r>
-              <a:rPr lang="en-US" altLang="zh-CN" b="1" dirty="0" err="1">
-                <a:solidFill>
-                  <a:srgbClr val="6A3E3E"/>
-                </a:solidFill>
-                <a:latin typeface="Consolas" panose="020B0609020204030204" pitchFamily="49" charset="0"/>
-              </a:rPr>
-              <a:t>nodeDocCount</a:t>
-            </a:r>
-            <a:r>
-              <a:rPr lang="en-US" altLang="zh-CN" b="1" dirty="0">
-                <a:solidFill>
-                  <a:srgbClr val="000000"/>
-                </a:solidFill>
-                <a:latin typeface="Consolas" panose="020B0609020204030204" pitchFamily="49" charset="0"/>
-              </a:rPr>
-              <a:t> = </a:t>
-            </a:r>
-            <a:r>
-              <a:rPr lang="en-US" altLang="zh-CN" b="1" dirty="0" err="1">
-                <a:solidFill>
-                  <a:srgbClr val="6A3E3E"/>
-                </a:solidFill>
-                <a:latin typeface="Consolas" panose="020B0609020204030204" pitchFamily="49" charset="0"/>
-              </a:rPr>
-              <a:t>stat_node</a:t>
-            </a:r>
-            <a:r>
-              <a:rPr lang="en-US" altLang="zh-CN" b="1" dirty="0" err="1">
-                <a:solidFill>
-                  <a:srgbClr val="000000"/>
-                </a:solidFill>
-                <a:latin typeface="Consolas" panose="020B0609020204030204" pitchFamily="49" charset="0"/>
-              </a:rPr>
-              <a:t>.</a:t>
-            </a:r>
-            <a:r>
-              <a:rPr lang="en-US" altLang="zh-CN" b="1" dirty="0" err="1">
-                <a:solidFill>
-                  <a:srgbClr val="0000C0"/>
-                </a:solidFill>
-                <a:latin typeface="Consolas" panose="020B0609020204030204" pitchFamily="49" charset="0"/>
-              </a:rPr>
-              <a:t>nodeDocumentCount</a:t>
-            </a:r>
-            <a:r>
-              <a:rPr lang="en-US" altLang="zh-CN" b="1" dirty="0">
-                <a:solidFill>
-                  <a:srgbClr val="000000"/>
-                </a:solidFill>
-                <a:latin typeface="Consolas" panose="020B0609020204030204" pitchFamily="49" charset="0"/>
-              </a:rPr>
-              <a:t>;</a:t>
-            </a:r>
-          </a:p>
-          <a:p>
-            <a:r>
-              <a:rPr lang="en-US" altLang="zh-CN" b="1" dirty="0">
-                <a:solidFill>
-                  <a:srgbClr val="7F0055"/>
-                </a:solidFill>
-                <a:latin typeface="Consolas" panose="020B0609020204030204" pitchFamily="49" charset="0"/>
-              </a:rPr>
-              <a:t>long</a:t>
-            </a:r>
-            <a:r>
-              <a:rPr lang="en-US" altLang="zh-CN" b="1" dirty="0">
-                <a:solidFill>
-                  <a:srgbClr val="000000"/>
-                </a:solidFill>
-                <a:latin typeface="Consolas" panose="020B0609020204030204" pitchFamily="49" charset="0"/>
-              </a:rPr>
-              <a:t> </a:t>
-            </a:r>
-            <a:r>
-              <a:rPr lang="en-US" altLang="zh-CN" b="1" dirty="0" err="1">
-                <a:solidFill>
-                  <a:srgbClr val="6A3E3E"/>
-                </a:solidFill>
-                <a:latin typeface="Consolas" panose="020B0609020204030204" pitchFamily="49" charset="0"/>
-              </a:rPr>
-              <a:t>nodeFrequency</a:t>
-            </a:r>
-            <a:r>
-              <a:rPr lang="en-US" altLang="zh-CN" b="1" dirty="0">
-                <a:solidFill>
-                  <a:srgbClr val="000000"/>
-                </a:solidFill>
-                <a:latin typeface="Consolas" panose="020B0609020204030204" pitchFamily="49" charset="0"/>
-              </a:rPr>
-              <a:t> = </a:t>
-            </a:r>
-            <a:r>
-              <a:rPr lang="en-US" altLang="zh-CN" b="1" dirty="0" err="1">
-                <a:solidFill>
-                  <a:srgbClr val="6A3E3E"/>
-                </a:solidFill>
-                <a:latin typeface="Consolas" panose="020B0609020204030204" pitchFamily="49" charset="0"/>
-              </a:rPr>
-              <a:t>stat_node</a:t>
-            </a:r>
-            <a:r>
-              <a:rPr lang="en-US" altLang="zh-CN" b="1" dirty="0" err="1">
-                <a:solidFill>
-                  <a:srgbClr val="000000"/>
-                </a:solidFill>
-                <a:latin typeface="Consolas" panose="020B0609020204030204" pitchFamily="49" charset="0"/>
-              </a:rPr>
-              <a:t>.</a:t>
-            </a:r>
-            <a:r>
-              <a:rPr lang="en-US" altLang="zh-CN" b="1" dirty="0" err="1">
-                <a:solidFill>
-                  <a:srgbClr val="0000C0"/>
-                </a:solidFill>
-                <a:latin typeface="Consolas" panose="020B0609020204030204" pitchFamily="49" charset="0"/>
-              </a:rPr>
-              <a:t>nodeFrequency</a:t>
-            </a:r>
-            <a:r>
-              <a:rPr lang="en-US" altLang="zh-CN" b="1" dirty="0">
-                <a:solidFill>
-                  <a:srgbClr val="000000"/>
-                </a:solidFill>
-                <a:latin typeface="Consolas" panose="020B0609020204030204" pitchFamily="49" charset="0"/>
-              </a:rPr>
-              <a:t>;</a:t>
-            </a:r>
-            <a:endParaRPr lang="zh-CN" altLang="en-US" dirty="0"/>
-          </a:p>
-        </p:txBody>
-      </p:sp>
-    </p:spTree>
-    <p:extLst>
-      <p:ext uri="{BB962C8B-B14F-4D97-AF65-F5344CB8AC3E}">
-        <p14:creationId xmlns:p14="http://schemas.microsoft.com/office/powerpoint/2010/main" val="1740620862"/>
-      </p:ext>
-    </p:extLst>
-  </p:cSld>
-  <p:clrMapOvr>
-    <a:masterClrMapping/>
-  </p:clrMapOvr>
-</p:sld>
-</file>
-
-<file path=ppt/slides/slide8.xml><?xml version="1.0" encoding="utf-8"?>
-<p:sld xmlns:a="http://schemas.openxmlformats.org/drawingml/2006/main" xmlns:r="http://schemas.openxmlformats.org/officeDocument/2006/relationships" xmlns:p="http://schemas.openxmlformats.org/presentationml/2006/main">
-  <p:cSld>
-    <p:spTree>
-      <p:nvGrpSpPr>
-        <p:cNvPr id="1" name=""/>
-        <p:cNvGrpSpPr/>
-        <p:nvPr/>
-      </p:nvGrpSpPr>
-      <p:grpSpPr>
-        <a:xfrm>
-          <a:off x="0" y="0"/>
-          <a:ext cx="0" cy="0"/>
-          <a:chOff x="0" y="0"/>
-          <a:chExt cx="0" cy="0"/>
-        </a:xfrm>
-      </p:grpSpPr>
-      <p:sp>
-        <p:nvSpPr>
           <p:cNvPr id="9" name="文本框 8">
             <a:extLst>
               <a:ext uri="{FF2B5EF4-FFF2-40B4-BE49-F238E27FC236}">
@@ -7673,7 +6104,7 @@
         </p:nvSpPr>
         <p:spPr>
           <a:xfrm>
-            <a:off x="2341601" y="3429000"/>
+            <a:off x="2252825" y="4494321"/>
             <a:ext cx="5925789" cy="646331"/>
           </a:xfrm>
           <a:prstGeom prst="rect">
@@ -7720,7 +6151,7 @@
         <p:spPr>
           <a:xfrm>
             <a:off x="2133637" y="2202180"/>
-            <a:ext cx="6004721" cy="923330"/>
+            <a:ext cx="5317994" cy="1477328"/>
           </a:xfrm>
           <a:prstGeom prst="rect">
             <a:avLst/>
@@ -7742,13 +6173,20 @@
             </a:r>
           </a:p>
           <a:p>
+            <a:pPr marL="285750" indent="-285750">
+              <a:buFont typeface="Arial" panose="020B0604020202020204" pitchFamily="34" charset="0"/>
+              <a:buChar char="•"/>
+            </a:pPr>
+            <a:endParaRPr lang="en-US" altLang="zh-CN" dirty="0"/>
+          </a:p>
+          <a:p>
             <a:pPr marL="742950" lvl="1" indent="-285750">
               <a:buFont typeface="Arial" panose="020B0604020202020204" pitchFamily="34" charset="0"/>
               <a:buChar char="•"/>
             </a:pPr>
             <a:r>
               <a:rPr lang="en-US" altLang="zh-CN" dirty="0"/>
-              <a:t>Find document of minimal length</a:t>
+              <a:t>Run basic retrieval model with command line.</a:t>
             </a:r>
           </a:p>
           <a:p>
@@ -7756,9 +6194,16 @@
               <a:buFont typeface="Arial" panose="020B0604020202020204" pitchFamily="34" charset="0"/>
               <a:buChar char="•"/>
             </a:pPr>
+            <a:endParaRPr lang="en-US" altLang="zh-CN" dirty="0"/>
+          </a:p>
+          <a:p>
+            <a:pPr marL="742950" lvl="1" indent="-285750">
+              <a:buFont typeface="Arial" panose="020B0604020202020204" pitchFamily="34" charset="0"/>
+              <a:buChar char="•"/>
+            </a:pPr>
             <a:r>
               <a:rPr lang="en-US" altLang="zh-CN" dirty="0"/>
-              <a:t>Number of unique words with  less than 10 characters.</a:t>
+              <a:t>Run basic retrieval model with Java API.</a:t>
             </a:r>
             <a:endParaRPr lang="zh-CN" altLang="en-US" dirty="0"/>
           </a:p>

--- a/tutorial_2.pptx
+++ b/tutorial_2.pptx
@@ -4407,7 +4407,53 @@
           <a:p>
             <a:r>
               <a:rPr lang="en-US" altLang="zh-CN" dirty="0"/>
-              <a:t>IR lab @UU, 09/21/2021</a:t>
+              <a:t>IR lab @UU, 10/28/2021</a:t>
+            </a:r>
+            <a:endParaRPr lang="zh-CN" altLang="en-US" dirty="0"/>
+          </a:p>
+        </p:txBody>
+      </p:sp>
+      <p:sp>
+        <p:nvSpPr>
+          <p:cNvPr id="4" name="矩形 3">
+            <a:extLst>
+              <a:ext uri="{FF2B5EF4-FFF2-40B4-BE49-F238E27FC236}">
+                <a16:creationId xmlns:a16="http://schemas.microsoft.com/office/drawing/2014/main" id="{C37D94B7-41A8-4897-9C0F-D8A0B5F9BAB1}"/>
+              </a:ext>
+            </a:extLst>
+          </p:cNvPr>
+          <p:cNvSpPr/>
+          <p:nvPr/>
+        </p:nvSpPr>
+        <p:spPr>
+          <a:xfrm>
+            <a:off x="5166160" y="5452717"/>
+            <a:ext cx="5925789" cy="646331"/>
+          </a:xfrm>
+          <a:prstGeom prst="rect">
+            <a:avLst/>
+          </a:prstGeom>
+          <a:ln>
+            <a:solidFill>
+              <a:schemeClr val="tx1"/>
+            </a:solidFill>
+          </a:ln>
+        </p:spPr>
+        <p:txBody>
+          <a:bodyPr wrap="none">
+            <a:spAutoFit/>
+          </a:bodyPr>
+          <a:lstStyle/>
+          <a:p>
+            <a:r>
+              <a:rPr lang="en-US" altLang="zh-CN" dirty="0"/>
+              <a:t>Please refer, </a:t>
+            </a:r>
+          </a:p>
+          <a:p>
+            <a:r>
+              <a:rPr lang="en-US" altLang="zh-CN" dirty="0"/>
+              <a:t>https://github.com/Taosheng-ty/CS_6550_galago_tutorial.git</a:t>
             </a:r>
             <a:endParaRPr lang="zh-CN" altLang="en-US" dirty="0"/>
           </a:p>
